--- a/doc/CV_DNN_Hands-On2.pptx
+++ b/doc/CV_DNN_Hands-On2.pptx
@@ -198,7 +198,7 @@
 </file>
 
 <file path=ppt/charts/chart1.xml><?xml version="1.0" encoding="utf-8"?>
-<c:chartSpace xmlns:c="http://schemas.openxmlformats.org/drawingml/2006/chart" xmlns:a="http://schemas.openxmlformats.org/drawingml/2006/main" xmlns:r="http://schemas.openxmlformats.org/officeDocument/2006/relationships" xmlns:c16r2="http://schemas.microsoft.com/office/drawing/2015/06/chart">
+<c:chartSpace xmlns:c="http://schemas.openxmlformats.org/drawingml/2006/chart" xmlns:a="http://schemas.openxmlformats.org/drawingml/2006/main" xmlns:r="http://schemas.openxmlformats.org/officeDocument/2006/relationships">
   <c:date1904 val="0"/>
   <c:lang val="ja-JP"/>
   <c:roundedCorners val="0"/>
@@ -2818,7 +2818,7 @@
             </c:numRef>
           </c:yVal>
           <c:smooth val="1"/>
-          <c:extLst>
+          <c:extLst xmlns:c16r2="http://schemas.microsoft.com/office/drawing/2015/06/chart">
             <c:ext xmlns:c16="http://schemas.microsoft.com/office/drawing/2014/chart" uri="{C3380CC4-5D6E-409C-BE32-E72D297353CC}">
               <c16:uniqueId val="{00000000-2C08-4A03-9E49-23F0A4948142}"/>
             </c:ext>
@@ -2832,11 +2832,11 @@
           <c:showPercent val="0"/>
           <c:showBubbleSize val="0"/>
         </c:dLbls>
-        <c:axId val="476255072"/>
-        <c:axId val="476256056"/>
+        <c:axId val="493770760"/>
+        <c:axId val="493774680"/>
       </c:scatterChart>
       <c:valAx>
-        <c:axId val="476255072"/>
+        <c:axId val="493770760"/>
         <c:scaling>
           <c:orientation val="minMax"/>
         </c:scaling>
@@ -2892,12 +2892,12 @@
             <a:endParaRPr lang="ja-JP"/>
           </a:p>
         </c:txPr>
-        <c:crossAx val="476256056"/>
+        <c:crossAx val="493774680"/>
         <c:crosses val="autoZero"/>
         <c:crossBetween val="midCat"/>
       </c:valAx>
       <c:valAx>
-        <c:axId val="476256056"/>
+        <c:axId val="493774680"/>
         <c:scaling>
           <c:orientation val="minMax"/>
         </c:scaling>
@@ -2954,7 +2954,7 @@
             <a:endParaRPr lang="ja-JP"/>
           </a:p>
         </c:txPr>
-        <c:crossAx val="476255072"/>
+        <c:crossAx val="493770760"/>
         <c:crosses val="autoZero"/>
         <c:crossBetween val="midCat"/>
       </c:valAx>
@@ -2994,7 +2994,7 @@
 </file>
 
 <file path=ppt/charts/chart2.xml><?xml version="1.0" encoding="utf-8"?>
-<c:chartSpace xmlns:c="http://schemas.openxmlformats.org/drawingml/2006/chart" xmlns:a="http://schemas.openxmlformats.org/drawingml/2006/main" xmlns:r="http://schemas.openxmlformats.org/officeDocument/2006/relationships" xmlns:c16r2="http://schemas.microsoft.com/office/drawing/2015/06/chart">
+<c:chartSpace xmlns:c="http://schemas.openxmlformats.org/drawingml/2006/chart" xmlns:a="http://schemas.openxmlformats.org/drawingml/2006/main" xmlns:r="http://schemas.openxmlformats.org/officeDocument/2006/relationships">
   <c:date1904 val="0"/>
   <c:lang val="ja-JP"/>
   <c:roundedCorners val="0"/>
@@ -3353,7 +3353,7 @@
             </c:numRef>
           </c:yVal>
           <c:smooth val="1"/>
-          <c:extLst>
+          <c:extLst xmlns:c16r2="http://schemas.microsoft.com/office/drawing/2015/06/chart">
             <c:ext xmlns:c16="http://schemas.microsoft.com/office/drawing/2014/chart" uri="{C3380CC4-5D6E-409C-BE32-E72D297353CC}">
               <c16:uniqueId val="{00000000-F6E0-451F-9D9E-77047371586F}"/>
             </c:ext>
@@ -3367,11 +3367,11 @@
           <c:showPercent val="0"/>
           <c:showBubbleSize val="0"/>
         </c:dLbls>
-        <c:axId val="476622888"/>
-        <c:axId val="476613704"/>
+        <c:axId val="493777816"/>
+        <c:axId val="493769584"/>
       </c:scatterChart>
       <c:valAx>
-        <c:axId val="476622888"/>
+        <c:axId val="493777816"/>
         <c:scaling>
           <c:orientation val="minMax"/>
           <c:min val="5"/>
@@ -3428,12 +3428,12 @@
             <a:endParaRPr lang="ja-JP"/>
           </a:p>
         </c:txPr>
-        <c:crossAx val="476613704"/>
+        <c:crossAx val="493769584"/>
         <c:crosses val="autoZero"/>
         <c:crossBetween val="midCat"/>
       </c:valAx>
       <c:valAx>
-        <c:axId val="476613704"/>
+        <c:axId val="493769584"/>
         <c:scaling>
           <c:orientation val="minMax"/>
         </c:scaling>
@@ -3490,7 +3490,7 @@
             <a:endParaRPr lang="ja-JP"/>
           </a:p>
         </c:txPr>
-        <c:crossAx val="476622888"/>
+        <c:crossAx val="493777816"/>
         <c:crosses val="autoZero"/>
         <c:crossBetween val="midCat"/>
       </c:valAx>
@@ -3530,7 +3530,7 @@
 </file>
 
 <file path=ppt/charts/chart3.xml><?xml version="1.0" encoding="utf-8"?>
-<c:chartSpace xmlns:c="http://schemas.openxmlformats.org/drawingml/2006/chart" xmlns:a="http://schemas.openxmlformats.org/drawingml/2006/main" xmlns:r="http://schemas.openxmlformats.org/officeDocument/2006/relationships" xmlns:c16r2="http://schemas.microsoft.com/office/drawing/2015/06/chart">
+<c:chartSpace xmlns:c="http://schemas.openxmlformats.org/drawingml/2006/chart" xmlns:a="http://schemas.openxmlformats.org/drawingml/2006/main" xmlns:r="http://schemas.openxmlformats.org/officeDocument/2006/relationships">
   <c:date1904 val="0"/>
   <c:lang val="ja-JP"/>
   <c:roundedCorners val="0"/>
@@ -3888,7 +3888,7 @@
             </c:numRef>
           </c:yVal>
           <c:smooth val="1"/>
-          <c:extLst>
+          <c:extLst xmlns:c16r2="http://schemas.microsoft.com/office/drawing/2015/06/chart">
             <c:ext xmlns:c16="http://schemas.microsoft.com/office/drawing/2014/chart" uri="{C3380CC4-5D6E-409C-BE32-E72D297353CC}">
               <c16:uniqueId val="{00000000-ABF4-42D8-BB30-EB9D78A91CC2}"/>
             </c:ext>
@@ -3902,11 +3902,11 @@
           <c:showPercent val="0"/>
           <c:showBubbleSize val="0"/>
         </c:dLbls>
-        <c:axId val="451764600"/>
-        <c:axId val="451763616"/>
+        <c:axId val="493771152"/>
+        <c:axId val="493772328"/>
       </c:scatterChart>
       <c:valAx>
-        <c:axId val="451764600"/>
+        <c:axId val="493771152"/>
         <c:scaling>
           <c:orientation val="minMax"/>
           <c:min val="5"/>
@@ -3963,12 +3963,12 @@
             <a:endParaRPr lang="ja-JP"/>
           </a:p>
         </c:txPr>
-        <c:crossAx val="451763616"/>
+        <c:crossAx val="493772328"/>
         <c:crosses val="autoZero"/>
         <c:crossBetween val="midCat"/>
       </c:valAx>
       <c:valAx>
-        <c:axId val="451763616"/>
+        <c:axId val="493772328"/>
         <c:scaling>
           <c:orientation val="minMax"/>
         </c:scaling>
@@ -4025,7 +4025,7 @@
             <a:endParaRPr lang="ja-JP"/>
           </a:p>
         </c:txPr>
-        <c:crossAx val="451764600"/>
+        <c:crossAx val="493771152"/>
         <c:crosses val="autoZero"/>
         <c:crossBetween val="midCat"/>
       </c:valAx>
@@ -5822,7 +5822,7 @@
                 <a:latin typeface="Meiryo UI" panose="020B0604030504040204" pitchFamily="50" charset="-128"/>
                 <a:ea typeface="Meiryo UI" panose="020B0604030504040204" pitchFamily="50" charset="-128"/>
               </a:rPr>
-              <a:t>2018年2月15日</a:t>
+              <a:t>2018年2月19日</a:t>
             </a:fld>
             <a:endParaRPr lang="ja-JP" altLang="en-US" dirty="0">
               <a:latin typeface="Meiryo UI" panose="020B0604030504040204" pitchFamily="50" charset="-128"/>
@@ -6009,7 +6009,7 @@
             <a:fld id="{D36A35B7-9D2F-4E6D-B12D-29025F48BF0A}" type="datetime4">
               <a:rPr lang="ja-JP" altLang="en-US" smtClean="0"/>
               <a:pPr/>
-              <a:t>2018年2月15日</a:t>
+              <a:t>2018年2月19日</a:t>
             </a:fld>
             <a:endParaRPr lang="en-US" dirty="0"/>
           </a:p>
@@ -7283,12 +7283,26 @@
               </a:rPr>
               <a:t>入力画像以外の値は前処理だよということを話す。</a:t>
             </a:r>
+            <a:r>
+              <a:rPr kumimoji="1" lang="en-US" altLang="ja-JP" dirty="0">
+                <a:latin typeface="Meiryo UI" panose="020B0604030504040204" pitchFamily="50" charset="-128"/>
+                <a:ea typeface="Meiryo UI" panose="020B0604030504040204" pitchFamily="50" charset="-128"/>
+              </a:rPr>
+              <a:t/>
+            </a:r>
             <a:br>
               <a:rPr kumimoji="1" lang="en-US" altLang="ja-JP" dirty="0">
                 <a:latin typeface="Meiryo UI" panose="020B0604030504040204" pitchFamily="50" charset="-128"/>
                 <a:ea typeface="Meiryo UI" panose="020B0604030504040204" pitchFamily="50" charset="-128"/>
               </a:rPr>
             </a:br>
+            <a:r>
+              <a:rPr kumimoji="1" lang="en-US" altLang="ja-JP" dirty="0">
+                <a:latin typeface="Meiryo UI" panose="020B0604030504040204" pitchFamily="50" charset="-128"/>
+                <a:ea typeface="Meiryo UI" panose="020B0604030504040204" pitchFamily="50" charset="-128"/>
+              </a:rPr>
+              <a:t/>
+            </a:r>
             <a:br>
               <a:rPr kumimoji="1" lang="en-US" altLang="ja-JP" dirty="0">
                 <a:latin typeface="Meiryo UI" panose="020B0604030504040204" pitchFamily="50" charset="-128"/>
@@ -12094,7 +12108,7 @@
             <a:fld id="{CBB3707E-853B-4B65-A117-62F1A610BAA1}" type="datetime4">
               <a:rPr lang="ja-JP" altLang="en-US" smtClean="0"/>
               <a:pPr/>
-              <a:t>2018年2月15日</a:t>
+              <a:t>2018年2月19日</a:t>
             </a:fld>
             <a:endParaRPr lang="en-US" dirty="0"/>
           </a:p>
@@ -12342,7 +12356,7 @@
             <a:pPr rtl="0"/>
             <a:fld id="{51320B09-6CF2-4326-937A-13A4A40B8562}" type="datetime4">
               <a:rPr lang="ja-JP" altLang="en-US" smtClean="0"/>
-              <a:t>2018年2月15日</a:t>
+              <a:t>2018年2月19日</a:t>
             </a:fld>
             <a:endParaRPr lang="en-US" dirty="0"/>
           </a:p>
@@ -12581,7 +12595,7 @@
             <a:pPr rtl="0"/>
             <a:fld id="{7AF68CBD-E5D7-4F98-BE5C-5D00E9A14CB9}" type="datetime4">
               <a:rPr lang="ja-JP" altLang="en-US" smtClean="0"/>
-              <a:t>2018年2月15日</a:t>
+              <a:t>2018年2月19日</a:t>
             </a:fld>
             <a:endParaRPr lang="en-US" dirty="0"/>
           </a:p>
@@ -12690,7 +12704,7 @@
           <p:cNvPr id="7" name="Title 1">
             <a:extLst>
               <a:ext uri="{FF2B5EF4-FFF2-40B4-BE49-F238E27FC236}">
-                <a16:creationId xmlns:a16="http://schemas.microsoft.com/office/drawing/2014/main" id="{977996D8-027A-40C8-B209-D20EE1BF2BE8}"/>
+                <a16:creationId xmlns:a16="http://schemas.microsoft.com/office/drawing/2014/main" xmlns="" id="{977996D8-027A-40C8-B209-D20EE1BF2BE8}"/>
               </a:ext>
             </a:extLst>
           </p:cNvPr>
@@ -12908,7 +12922,7 @@
             <a:pPr rtl="0"/>
             <a:fld id="{E9DB356C-535D-4BB7-9CFC-A7CAEDEECC4C}" type="datetime4">
               <a:rPr lang="ja-JP" altLang="en-US" smtClean="0"/>
-              <a:t>2018年2月15日</a:t>
+              <a:t>2018年2月19日</a:t>
             </a:fld>
             <a:endParaRPr lang="en-US" dirty="0"/>
           </a:p>
@@ -13202,7 +13216,7 @@
             <a:fld id="{0B380102-1978-4BFA-8B78-9D889846EA96}" type="datetime4">
               <a:rPr lang="ja-JP" altLang="en-US" smtClean="0"/>
               <a:pPr/>
-              <a:t>2018年2月15日</a:t>
+              <a:t>2018年2月19日</a:t>
             </a:fld>
             <a:endParaRPr lang="en-US" dirty="0"/>
           </a:p>
@@ -13569,7 +13583,7 @@
             <a:fld id="{0B380102-1978-4BFA-8B78-9D889846EA96}" type="datetime4">
               <a:rPr lang="ja-JP" altLang="en-US" smtClean="0"/>
               <a:pPr/>
-              <a:t>2018年2月15日</a:t>
+              <a:t>2018年2月19日</a:t>
             </a:fld>
             <a:endParaRPr lang="en-US" dirty="0"/>
           </a:p>
@@ -14086,7 +14100,7 @@
             <a:pPr rtl="0"/>
             <a:fld id="{28A616DE-C4E3-4CA4-892C-86B3F7D2C135}" type="datetime4">
               <a:rPr lang="ja-JP" altLang="en-US" smtClean="0"/>
-              <a:t>2018年2月15日</a:t>
+              <a:t>2018年2月19日</a:t>
             </a:fld>
             <a:endParaRPr lang="en-US" dirty="0"/>
           </a:p>
@@ -14231,7 +14245,7 @@
             <a:pPr rtl="0"/>
             <a:fld id="{B00D6D32-5C27-4A01-9DEE-67791C72B783}" type="datetime4">
               <a:rPr lang="ja-JP" altLang="en-US" smtClean="0"/>
-              <a:t>2018年2月15日</a:t>
+              <a:t>2018年2月19日</a:t>
             </a:fld>
             <a:endParaRPr lang="en-US" dirty="0"/>
           </a:p>
@@ -14353,7 +14367,7 @@
             <a:fld id="{0B380102-1978-4BFA-8B78-9D889846EA96}" type="datetime4">
               <a:rPr lang="ja-JP" altLang="en-US" smtClean="0"/>
               <a:pPr/>
-              <a:t>2018年2月15日</a:t>
+              <a:t>2018年2月19日</a:t>
             </a:fld>
             <a:endParaRPr lang="en-US" dirty="0"/>
           </a:p>
@@ -14756,7 +14770,7 @@
             <a:fld id="{0B380102-1978-4BFA-8B78-9D889846EA96}" type="datetime4">
               <a:rPr lang="ja-JP" altLang="en-US" smtClean="0"/>
               <a:pPr/>
-              <a:t>2018年2月15日</a:t>
+              <a:t>2018年2月19日</a:t>
             </a:fld>
             <a:endParaRPr lang="en-US" dirty="0"/>
           </a:p>
@@ -15087,7 +15101,7 @@
             <a:fld id="{0B380102-1978-4BFA-8B78-9D889846EA96}" type="datetime4">
               <a:rPr lang="ja-JP" altLang="en-US" smtClean="0"/>
               <a:pPr/>
-              <a:t>2018年2月15日</a:t>
+              <a:t>2018年2月19日</a:t>
             </a:fld>
             <a:endParaRPr lang="en-US" dirty="0"/>
           </a:p>
@@ -15367,7 +15381,7 @@
             <a:fld id="{0B380102-1978-4BFA-8B78-9D889846EA96}" type="datetime4">
               <a:rPr lang="ja-JP" altLang="en-US" smtClean="0"/>
               <a:pPr/>
-              <a:t>2018年2月15日</a:t>
+              <a:t>2018年2月19日</a:t>
             </a:fld>
             <a:endParaRPr lang="en-US" dirty="0"/>
           </a:p>
@@ -16009,7 +16023,7 @@
           <p:cNvPr id="5" name="サブタイトル 4">
             <a:extLst>
               <a:ext uri="{FF2B5EF4-FFF2-40B4-BE49-F238E27FC236}">
-                <a16:creationId xmlns:a16="http://schemas.microsoft.com/office/drawing/2014/main" id="{CD98913F-83E0-4D78-BD59-93719C1D23B9}"/>
+                <a16:creationId xmlns:a16="http://schemas.microsoft.com/office/drawing/2014/main" xmlns="" id="{CD98913F-83E0-4D78-BD59-93719C1D23B9}"/>
               </a:ext>
             </a:extLst>
           </p:cNvPr>
@@ -16120,6 +16134,14 @@
               </a:rPr>
               <a:t>の解説</a:t>
             </a:r>
+            <a:r>
+              <a:rPr lang="en-US" altLang="ja-JP" dirty="0">
+                <a:latin typeface="Meiryo UI" panose="020B0604030504040204" pitchFamily="50" charset="-128"/>
+                <a:ea typeface="Meiryo UI" panose="020B0604030504040204" pitchFamily="50" charset="-128"/>
+                <a:cs typeface="Microsoft Himalaya" panose="01010100010101010101" pitchFamily="2" charset="0"/>
+              </a:rPr>
+              <a:t/>
+            </a:r>
             <a:br>
               <a:rPr lang="en-US" altLang="ja-JP" dirty="0">
                 <a:latin typeface="Meiryo UI" panose="020B0604030504040204" pitchFamily="50" charset="-128"/>
@@ -16251,7 +16273,7 @@
           <p:cNvPr id="4" name="タイトル 1">
             <a:extLst>
               <a:ext uri="{FF2B5EF4-FFF2-40B4-BE49-F238E27FC236}">
-                <a16:creationId xmlns:a16="http://schemas.microsoft.com/office/drawing/2014/main" id="{647DACE3-63AF-4D20-AC1D-2022C2A45C44}"/>
+                <a16:creationId xmlns:a16="http://schemas.microsoft.com/office/drawing/2014/main" xmlns="" id="{647DACE3-63AF-4D20-AC1D-2022C2A45C44}"/>
               </a:ext>
             </a:extLst>
           </p:cNvPr>
@@ -16538,7 +16560,7 @@
           <p:cNvPr id="8" name="タイトル 7">
             <a:extLst>
               <a:ext uri="{FF2B5EF4-FFF2-40B4-BE49-F238E27FC236}">
-                <a16:creationId xmlns:a16="http://schemas.microsoft.com/office/drawing/2014/main" id="{1758AE3A-327E-48CE-ABB4-A6340802EF44}"/>
+                <a16:creationId xmlns:a16="http://schemas.microsoft.com/office/drawing/2014/main" xmlns="" id="{1758AE3A-327E-48CE-ABB4-A6340802EF44}"/>
               </a:ext>
             </a:extLst>
           </p:cNvPr>
@@ -16583,7 +16605,7 @@
           <p:cNvPr id="3" name="Rectangle 1">
             <a:extLst>
               <a:ext uri="{FF2B5EF4-FFF2-40B4-BE49-F238E27FC236}">
-                <a16:creationId xmlns:a16="http://schemas.microsoft.com/office/drawing/2014/main" id="{130E6BFC-BE3D-4DC5-99C4-4B103D64FA79}"/>
+                <a16:creationId xmlns:a16="http://schemas.microsoft.com/office/drawing/2014/main" xmlns="" id="{130E6BFC-BE3D-4DC5-99C4-4B103D64FA79}"/>
               </a:ext>
             </a:extLst>
           </p:cNvPr>
@@ -16659,6 +16681,19 @@
               <a:buNone/>
               <a:tabLst/>
             </a:pPr>
+            <a:r>
+              <a:rPr kumimoji="0" lang="ja-JP" altLang="ja-JP" sz="1800" b="0" i="0" u="none" strike="noStrike" cap="none" normalizeH="0" baseline="0">
+                <a:ln>
+                  <a:noFill/>
+                </a:ln>
+                <a:solidFill>
+                  <a:schemeClr val="tx1"/>
+                </a:solidFill>
+                <a:effectLst/>
+                <a:latin typeface="Arial" panose="020B0604020202020204" pitchFamily="34" charset="0"/>
+              </a:rPr>
+              <a:t/>
+            </a:r>
             <a:br>
               <a:rPr kumimoji="0" lang="ja-JP" altLang="ja-JP" sz="1800" b="0" i="0" u="none" strike="noStrike" cap="none" normalizeH="0" baseline="0">
                 <a:ln>
@@ -16829,7 +16864,7 @@
           <p:cNvPr id="9" name="正方形/長方形 8">
             <a:extLst>
               <a:ext uri="{FF2B5EF4-FFF2-40B4-BE49-F238E27FC236}">
-                <a16:creationId xmlns:a16="http://schemas.microsoft.com/office/drawing/2014/main" id="{1F31C47D-D0A2-4A35-893E-87E8BD8C26CA}"/>
+                <a16:creationId xmlns:a16="http://schemas.microsoft.com/office/drawing/2014/main" xmlns="" id="{1F31C47D-D0A2-4A35-893E-87E8BD8C26CA}"/>
               </a:ext>
             </a:extLst>
           </p:cNvPr>
@@ -16894,7 +16929,7 @@
           <p:cNvPr id="10" name="正方形/長方形 9">
             <a:extLst>
               <a:ext uri="{FF2B5EF4-FFF2-40B4-BE49-F238E27FC236}">
-                <a16:creationId xmlns:a16="http://schemas.microsoft.com/office/drawing/2014/main" id="{495DEDFA-0E62-4BBA-85DB-60639403B2C0}"/>
+                <a16:creationId xmlns:a16="http://schemas.microsoft.com/office/drawing/2014/main" xmlns="" id="{495DEDFA-0E62-4BBA-85DB-60639403B2C0}"/>
               </a:ext>
             </a:extLst>
           </p:cNvPr>
@@ -16973,7 +17008,7 @@
           <p:cNvPr id="11" name="正方形/長方形 10">
             <a:extLst>
               <a:ext uri="{FF2B5EF4-FFF2-40B4-BE49-F238E27FC236}">
-                <a16:creationId xmlns:a16="http://schemas.microsoft.com/office/drawing/2014/main" id="{DBE7238F-1DAF-44A7-9395-F56BB6652948}"/>
+                <a16:creationId xmlns:a16="http://schemas.microsoft.com/office/drawing/2014/main" xmlns="" id="{DBE7238F-1DAF-44A7-9395-F56BB6652948}"/>
               </a:ext>
             </a:extLst>
           </p:cNvPr>
@@ -17090,7 +17125,7 @@
           <p:cNvPr id="8" name="タイトル 7">
             <a:extLst>
               <a:ext uri="{FF2B5EF4-FFF2-40B4-BE49-F238E27FC236}">
-                <a16:creationId xmlns:a16="http://schemas.microsoft.com/office/drawing/2014/main" id="{1758AE3A-327E-48CE-ABB4-A6340802EF44}"/>
+                <a16:creationId xmlns:a16="http://schemas.microsoft.com/office/drawing/2014/main" xmlns="" id="{1758AE3A-327E-48CE-ABB4-A6340802EF44}"/>
               </a:ext>
             </a:extLst>
           </p:cNvPr>
@@ -17129,7 +17164,7 @@
           <p:cNvPr id="3" name="Rectangle 1">
             <a:extLst>
               <a:ext uri="{FF2B5EF4-FFF2-40B4-BE49-F238E27FC236}">
-                <a16:creationId xmlns:a16="http://schemas.microsoft.com/office/drawing/2014/main" id="{130E6BFC-BE3D-4DC5-99C4-4B103D64FA79}"/>
+                <a16:creationId xmlns:a16="http://schemas.microsoft.com/office/drawing/2014/main" xmlns="" id="{130E6BFC-BE3D-4DC5-99C4-4B103D64FA79}"/>
               </a:ext>
             </a:extLst>
           </p:cNvPr>
@@ -17205,6 +17240,19 @@
               <a:buNone/>
               <a:tabLst/>
             </a:pPr>
+            <a:r>
+              <a:rPr kumimoji="0" lang="ja-JP" altLang="ja-JP" sz="1800" b="0" i="0" u="none" strike="noStrike" cap="none" normalizeH="0" baseline="0">
+                <a:ln>
+                  <a:noFill/>
+                </a:ln>
+                <a:solidFill>
+                  <a:schemeClr val="tx1"/>
+                </a:solidFill>
+                <a:effectLst/>
+                <a:latin typeface="Arial" panose="020B0604020202020204" pitchFamily="34" charset="0"/>
+              </a:rPr>
+              <a:t/>
+            </a:r>
             <a:br>
               <a:rPr kumimoji="0" lang="ja-JP" altLang="ja-JP" sz="1800" b="0" i="0" u="none" strike="noStrike" cap="none" normalizeH="0" baseline="0">
                 <a:ln>
@@ -17235,7 +17283,7 @@
           <p:cNvPr id="1026" name="Picture 2" descr="http://i.imgur.com/KfBZaYY.png">
             <a:extLst>
               <a:ext uri="{FF2B5EF4-FFF2-40B4-BE49-F238E27FC236}">
-                <a16:creationId xmlns:a16="http://schemas.microsoft.com/office/drawing/2014/main" id="{CE259C32-4581-4A7D-90EB-16133B9DF7F1}"/>
+                <a16:creationId xmlns:a16="http://schemas.microsoft.com/office/drawing/2014/main" xmlns="" id="{CE259C32-4581-4A7D-90EB-16133B9DF7F1}"/>
               </a:ext>
             </a:extLst>
           </p:cNvPr>
@@ -17350,7 +17398,7 @@
           <p:cNvPr id="13" name="正方形/長方形 12">
             <a:extLst>
               <a:ext uri="{FF2B5EF4-FFF2-40B4-BE49-F238E27FC236}">
-                <a16:creationId xmlns:a16="http://schemas.microsoft.com/office/drawing/2014/main" id="{E176075B-F6A0-4524-B162-9E688394BE59}"/>
+                <a16:creationId xmlns:a16="http://schemas.microsoft.com/office/drawing/2014/main" xmlns="" id="{E176075B-F6A0-4524-B162-9E688394BE59}"/>
               </a:ext>
             </a:extLst>
           </p:cNvPr>
@@ -17459,7 +17507,7 @@
           <p:cNvPr id="14" name="正方形/長方形 13">
             <a:extLst>
               <a:ext uri="{FF2B5EF4-FFF2-40B4-BE49-F238E27FC236}">
-                <a16:creationId xmlns:a16="http://schemas.microsoft.com/office/drawing/2014/main" id="{33B193E4-93B8-40DB-BE83-80F318D3BF49}"/>
+                <a16:creationId xmlns:a16="http://schemas.microsoft.com/office/drawing/2014/main" xmlns="" id="{33B193E4-93B8-40DB-BE83-80F318D3BF49}"/>
               </a:ext>
             </a:extLst>
           </p:cNvPr>
@@ -17515,7 +17563,7 @@
           <p:cNvPr id="16" name="吹き出し: 四角形 19">
             <a:extLst>
               <a:ext uri="{FF2B5EF4-FFF2-40B4-BE49-F238E27FC236}">
-                <a16:creationId xmlns:a16="http://schemas.microsoft.com/office/drawing/2014/main" id="{06DB7994-2F6A-43FA-9D77-D3222F25373C}"/>
+                <a16:creationId xmlns:a16="http://schemas.microsoft.com/office/drawing/2014/main" xmlns="" id="{06DB7994-2F6A-43FA-9D77-D3222F25373C}"/>
               </a:ext>
             </a:extLst>
           </p:cNvPr>
@@ -17591,7 +17639,7 @@
           <p:cNvPr id="15" name="吹き出し: 四角形 19">
             <a:extLst>
               <a:ext uri="{FF2B5EF4-FFF2-40B4-BE49-F238E27FC236}">
-                <a16:creationId xmlns:a16="http://schemas.microsoft.com/office/drawing/2014/main" id="{06DB7994-2F6A-43FA-9D77-D3222F25373C}"/>
+                <a16:creationId xmlns:a16="http://schemas.microsoft.com/office/drawing/2014/main" xmlns="" id="{06DB7994-2F6A-43FA-9D77-D3222F25373C}"/>
               </a:ext>
             </a:extLst>
           </p:cNvPr>
@@ -17699,7 +17747,7 @@
           <p:cNvPr id="17" name="正方形/長方形 16">
             <a:extLst>
               <a:ext uri="{FF2B5EF4-FFF2-40B4-BE49-F238E27FC236}">
-                <a16:creationId xmlns:a16="http://schemas.microsoft.com/office/drawing/2014/main" id="{5AA4D01E-1615-4353-AA72-FEA45D73667C}"/>
+                <a16:creationId xmlns:a16="http://schemas.microsoft.com/office/drawing/2014/main" xmlns="" id="{5AA4D01E-1615-4353-AA72-FEA45D73667C}"/>
               </a:ext>
             </a:extLst>
           </p:cNvPr>
@@ -17738,7 +17786,7 @@
           <p:cNvPr id="5" name="吹き出し: 四角形 4">
             <a:extLst>
               <a:ext uri="{FF2B5EF4-FFF2-40B4-BE49-F238E27FC236}">
-                <a16:creationId xmlns:a16="http://schemas.microsoft.com/office/drawing/2014/main" id="{EA6ADEBE-DA30-4DCF-87B9-55684B89E5C0}"/>
+                <a16:creationId xmlns:a16="http://schemas.microsoft.com/office/drawing/2014/main" xmlns="" id="{EA6ADEBE-DA30-4DCF-87B9-55684B89E5C0}"/>
               </a:ext>
             </a:extLst>
           </p:cNvPr>
@@ -17789,7 +17837,7 @@
           <p:cNvPr id="20" name="吹き出し: 四角形 19">
             <a:extLst>
               <a:ext uri="{FF2B5EF4-FFF2-40B4-BE49-F238E27FC236}">
-                <a16:creationId xmlns:a16="http://schemas.microsoft.com/office/drawing/2014/main" id="{52D9D9C3-022C-4178-96D8-763D2FD0C692}"/>
+                <a16:creationId xmlns:a16="http://schemas.microsoft.com/office/drawing/2014/main" xmlns="" id="{52D9D9C3-022C-4178-96D8-763D2FD0C692}"/>
               </a:ext>
             </a:extLst>
           </p:cNvPr>
@@ -17906,7 +17954,7 @@
           <p:cNvPr id="8" name="タイトル 7">
             <a:extLst>
               <a:ext uri="{FF2B5EF4-FFF2-40B4-BE49-F238E27FC236}">
-                <a16:creationId xmlns:a16="http://schemas.microsoft.com/office/drawing/2014/main" id="{1758AE3A-327E-48CE-ABB4-A6340802EF44}"/>
+                <a16:creationId xmlns:a16="http://schemas.microsoft.com/office/drawing/2014/main" xmlns="" id="{1758AE3A-327E-48CE-ABB4-A6340802EF44}"/>
               </a:ext>
             </a:extLst>
           </p:cNvPr>
@@ -17944,7 +17992,7 @@
           <p:cNvPr id="9" name="正方形/長方形 8">
             <a:extLst>
               <a:ext uri="{FF2B5EF4-FFF2-40B4-BE49-F238E27FC236}">
-                <a16:creationId xmlns:a16="http://schemas.microsoft.com/office/drawing/2014/main" id="{3381D3C6-01DC-4917-8392-F8FEF4FA65DE}"/>
+                <a16:creationId xmlns:a16="http://schemas.microsoft.com/office/drawing/2014/main" xmlns="" id="{3381D3C6-01DC-4917-8392-F8FEF4FA65DE}"/>
               </a:ext>
             </a:extLst>
           </p:cNvPr>
@@ -18182,7 +18230,7 @@
           <p:cNvPr id="6" name="Picture 2" descr="http://i.imgur.com/KfBZaYY.png">
             <a:extLst>
               <a:ext uri="{FF2B5EF4-FFF2-40B4-BE49-F238E27FC236}">
-                <a16:creationId xmlns:a16="http://schemas.microsoft.com/office/drawing/2014/main" id="{C9415EEF-3AC1-4E8F-93BD-8C2248AB2D9D}"/>
+                <a16:creationId xmlns:a16="http://schemas.microsoft.com/office/drawing/2014/main" xmlns="" id="{C9415EEF-3AC1-4E8F-93BD-8C2248AB2D9D}"/>
               </a:ext>
             </a:extLst>
           </p:cNvPr>
@@ -18227,7 +18275,7 @@
           <p:cNvPr id="7" name="正方形/長方形 6">
             <a:extLst>
               <a:ext uri="{FF2B5EF4-FFF2-40B4-BE49-F238E27FC236}">
-                <a16:creationId xmlns:a16="http://schemas.microsoft.com/office/drawing/2014/main" id="{EB79636E-4EF9-4A33-9ED3-140D28C96B2B}"/>
+                <a16:creationId xmlns:a16="http://schemas.microsoft.com/office/drawing/2014/main" xmlns="" id="{EB79636E-4EF9-4A33-9ED3-140D28C96B2B}"/>
               </a:ext>
             </a:extLst>
           </p:cNvPr>
@@ -18272,7 +18320,7 @@
           <p:cNvPr id="3" name="正方形/長方形 2">
             <a:extLst>
               <a:ext uri="{FF2B5EF4-FFF2-40B4-BE49-F238E27FC236}">
-                <a16:creationId xmlns:a16="http://schemas.microsoft.com/office/drawing/2014/main" id="{919B8FCC-E34C-4E55-AE6D-501AA3F3031E}"/>
+                <a16:creationId xmlns:a16="http://schemas.microsoft.com/office/drawing/2014/main" xmlns="" id="{919B8FCC-E34C-4E55-AE6D-501AA3F3031E}"/>
               </a:ext>
             </a:extLst>
           </p:cNvPr>
@@ -18319,7 +18367,7 @@
           <p:cNvPr id="10" name="正方形/長方形 9">
             <a:extLst>
               <a:ext uri="{FF2B5EF4-FFF2-40B4-BE49-F238E27FC236}">
-                <a16:creationId xmlns:a16="http://schemas.microsoft.com/office/drawing/2014/main" id="{4A0F5877-2676-4580-817B-C42458559739}"/>
+                <a16:creationId xmlns:a16="http://schemas.microsoft.com/office/drawing/2014/main" xmlns="" id="{4A0F5877-2676-4580-817B-C42458559739}"/>
               </a:ext>
             </a:extLst>
           </p:cNvPr>
@@ -18366,7 +18414,7 @@
           <p:cNvPr id="11" name="正方形/長方形 10">
             <a:extLst>
               <a:ext uri="{FF2B5EF4-FFF2-40B4-BE49-F238E27FC236}">
-                <a16:creationId xmlns:a16="http://schemas.microsoft.com/office/drawing/2014/main" id="{DD06F670-8C8B-4D4F-8893-B3F913C908DA}"/>
+                <a16:creationId xmlns:a16="http://schemas.microsoft.com/office/drawing/2014/main" xmlns="" id="{DD06F670-8C8B-4D4F-8893-B3F913C908DA}"/>
               </a:ext>
             </a:extLst>
           </p:cNvPr>
@@ -18413,7 +18461,7 @@
           <p:cNvPr id="12" name="正方形/長方形 11">
             <a:extLst>
               <a:ext uri="{FF2B5EF4-FFF2-40B4-BE49-F238E27FC236}">
-                <a16:creationId xmlns:a16="http://schemas.microsoft.com/office/drawing/2014/main" id="{1CD6D687-BA8C-471B-A660-4077C3017FE6}"/>
+                <a16:creationId xmlns:a16="http://schemas.microsoft.com/office/drawing/2014/main" xmlns="" id="{1CD6D687-BA8C-471B-A660-4077C3017FE6}"/>
               </a:ext>
             </a:extLst>
           </p:cNvPr>
@@ -18451,7 +18499,7 @@
           <p:cNvPr id="4" name="矢印: 右 3">
             <a:extLst>
               <a:ext uri="{FF2B5EF4-FFF2-40B4-BE49-F238E27FC236}">
-                <a16:creationId xmlns:a16="http://schemas.microsoft.com/office/drawing/2014/main" id="{27135504-9EFB-4B27-8D39-F97BAA0A7BFC}"/>
+                <a16:creationId xmlns:a16="http://schemas.microsoft.com/office/drawing/2014/main" xmlns="" id="{27135504-9EFB-4B27-8D39-F97BAA0A7BFC}"/>
               </a:ext>
             </a:extLst>
           </p:cNvPr>
@@ -18626,7 +18674,7 @@
           <p:cNvPr id="8" name="タイトル 7">
             <a:extLst>
               <a:ext uri="{FF2B5EF4-FFF2-40B4-BE49-F238E27FC236}">
-                <a16:creationId xmlns:a16="http://schemas.microsoft.com/office/drawing/2014/main" id="{1758AE3A-327E-48CE-ABB4-A6340802EF44}"/>
+                <a16:creationId xmlns:a16="http://schemas.microsoft.com/office/drawing/2014/main" xmlns="" id="{1758AE3A-327E-48CE-ABB4-A6340802EF44}"/>
               </a:ext>
             </a:extLst>
           </p:cNvPr>
@@ -18664,7 +18712,7 @@
           <p:cNvPr id="3" name="Rectangle 1">
             <a:extLst>
               <a:ext uri="{FF2B5EF4-FFF2-40B4-BE49-F238E27FC236}">
-                <a16:creationId xmlns:a16="http://schemas.microsoft.com/office/drawing/2014/main" id="{130E6BFC-BE3D-4DC5-99C4-4B103D64FA79}"/>
+                <a16:creationId xmlns:a16="http://schemas.microsoft.com/office/drawing/2014/main" xmlns="" id="{130E6BFC-BE3D-4DC5-99C4-4B103D64FA79}"/>
               </a:ext>
             </a:extLst>
           </p:cNvPr>
@@ -18740,6 +18788,19 @@
               <a:buNone/>
               <a:tabLst/>
             </a:pPr>
+            <a:r>
+              <a:rPr kumimoji="0" lang="ja-JP" altLang="ja-JP" sz="1800" b="0" i="0" u="none" strike="noStrike" cap="none" normalizeH="0" baseline="0">
+                <a:ln>
+                  <a:noFill/>
+                </a:ln>
+                <a:solidFill>
+                  <a:schemeClr val="tx1"/>
+                </a:solidFill>
+                <a:effectLst/>
+                <a:latin typeface="Arial" panose="020B0604020202020204" pitchFamily="34" charset="0"/>
+              </a:rPr>
+              <a:t/>
+            </a:r>
             <a:br>
               <a:rPr kumimoji="0" lang="ja-JP" altLang="ja-JP" sz="1800" b="0" i="0" u="none" strike="noStrike" cap="none" normalizeH="0" baseline="0">
                 <a:ln>
@@ -18770,7 +18831,7 @@
           <p:cNvPr id="6" name="正方形/長方形 5">
             <a:extLst>
               <a:ext uri="{FF2B5EF4-FFF2-40B4-BE49-F238E27FC236}">
-                <a16:creationId xmlns:a16="http://schemas.microsoft.com/office/drawing/2014/main" id="{FE4C25E0-1435-495C-9094-0D4AE2DDE3C0}"/>
+                <a16:creationId xmlns:a16="http://schemas.microsoft.com/office/drawing/2014/main" xmlns="" id="{FE4C25E0-1435-495C-9094-0D4AE2DDE3C0}"/>
               </a:ext>
             </a:extLst>
           </p:cNvPr>
@@ -19099,7 +19160,7 @@
           <p:cNvPr id="5" name="正方形/長方形 4">
             <a:extLst>
               <a:ext uri="{FF2B5EF4-FFF2-40B4-BE49-F238E27FC236}">
-                <a16:creationId xmlns:a16="http://schemas.microsoft.com/office/drawing/2014/main" id="{86E00FF3-FFDA-4C7F-AA56-47630FE883D0}"/>
+                <a16:creationId xmlns:a16="http://schemas.microsoft.com/office/drawing/2014/main" xmlns="" id="{86E00FF3-FFDA-4C7F-AA56-47630FE883D0}"/>
               </a:ext>
             </a:extLst>
           </p:cNvPr>
@@ -19140,7 +19201,7 @@
           <p:cNvPr id="7" name="正方形/長方形 6">
             <a:extLst>
               <a:ext uri="{FF2B5EF4-FFF2-40B4-BE49-F238E27FC236}">
-                <a16:creationId xmlns:a16="http://schemas.microsoft.com/office/drawing/2014/main" id="{CEDE55CF-BC0E-454D-8DC9-D161DA61BF80}"/>
+                <a16:creationId xmlns:a16="http://schemas.microsoft.com/office/drawing/2014/main" xmlns="" id="{CEDE55CF-BC0E-454D-8DC9-D161DA61BF80}"/>
               </a:ext>
             </a:extLst>
           </p:cNvPr>
@@ -19205,7 +19266,7 @@
           <p:cNvPr id="2" name="正方形/長方形 1">
             <a:extLst>
               <a:ext uri="{FF2B5EF4-FFF2-40B4-BE49-F238E27FC236}">
-                <a16:creationId xmlns:a16="http://schemas.microsoft.com/office/drawing/2014/main" id="{2567EF09-5E20-41A3-8A02-F77A96F08B77}"/>
+                <a16:creationId xmlns:a16="http://schemas.microsoft.com/office/drawing/2014/main" xmlns="" id="{2567EF09-5E20-41A3-8A02-F77A96F08B77}"/>
               </a:ext>
             </a:extLst>
           </p:cNvPr>
@@ -19255,7 +19316,7 @@
           <p:cNvPr id="9" name="正方形/長方形 8">
             <a:extLst>
               <a:ext uri="{FF2B5EF4-FFF2-40B4-BE49-F238E27FC236}">
-                <a16:creationId xmlns:a16="http://schemas.microsoft.com/office/drawing/2014/main" id="{D1373C14-2E09-4427-8038-A917A0C1F9EA}"/>
+                <a16:creationId xmlns:a16="http://schemas.microsoft.com/office/drawing/2014/main" xmlns="" id="{D1373C14-2E09-4427-8038-A917A0C1F9EA}"/>
               </a:ext>
             </a:extLst>
           </p:cNvPr>
@@ -19374,7 +19435,7 @@
           <p:cNvPr id="10" name="正方形/長方形 9">
             <a:extLst>
               <a:ext uri="{FF2B5EF4-FFF2-40B4-BE49-F238E27FC236}">
-                <a16:creationId xmlns:a16="http://schemas.microsoft.com/office/drawing/2014/main" id="{498414FB-E2F4-44C3-A745-AF168B35EB8B}"/>
+                <a16:creationId xmlns:a16="http://schemas.microsoft.com/office/drawing/2014/main" xmlns="" id="{498414FB-E2F4-44C3-A745-AF168B35EB8B}"/>
               </a:ext>
             </a:extLst>
           </p:cNvPr>
@@ -19424,7 +19485,7 @@
           <p:cNvPr id="11" name="正方形/長方形 10">
             <a:extLst>
               <a:ext uri="{FF2B5EF4-FFF2-40B4-BE49-F238E27FC236}">
-                <a16:creationId xmlns:a16="http://schemas.microsoft.com/office/drawing/2014/main" id="{1DE59CA8-C0DC-4C2B-9F43-5C2C6BE20B55}"/>
+                <a16:creationId xmlns:a16="http://schemas.microsoft.com/office/drawing/2014/main" xmlns="" id="{1DE59CA8-C0DC-4C2B-9F43-5C2C6BE20B55}"/>
               </a:ext>
             </a:extLst>
           </p:cNvPr>
@@ -19520,7 +19581,7 @@
           <p:cNvPr id="8" name="タイトル 7">
             <a:extLst>
               <a:ext uri="{FF2B5EF4-FFF2-40B4-BE49-F238E27FC236}">
-                <a16:creationId xmlns:a16="http://schemas.microsoft.com/office/drawing/2014/main" id="{1758AE3A-327E-48CE-ABB4-A6340802EF44}"/>
+                <a16:creationId xmlns:a16="http://schemas.microsoft.com/office/drawing/2014/main" xmlns="" id="{1758AE3A-327E-48CE-ABB4-A6340802EF44}"/>
               </a:ext>
             </a:extLst>
           </p:cNvPr>
@@ -19565,7 +19626,7 @@
           <p:cNvPr id="3" name="Rectangle 1">
             <a:extLst>
               <a:ext uri="{FF2B5EF4-FFF2-40B4-BE49-F238E27FC236}">
-                <a16:creationId xmlns:a16="http://schemas.microsoft.com/office/drawing/2014/main" id="{130E6BFC-BE3D-4DC5-99C4-4B103D64FA79}"/>
+                <a16:creationId xmlns:a16="http://schemas.microsoft.com/office/drawing/2014/main" xmlns="" id="{130E6BFC-BE3D-4DC5-99C4-4B103D64FA79}"/>
               </a:ext>
             </a:extLst>
           </p:cNvPr>
@@ -19641,6 +19702,19 @@
               <a:buNone/>
               <a:tabLst/>
             </a:pPr>
+            <a:r>
+              <a:rPr kumimoji="0" lang="ja-JP" altLang="ja-JP" sz="1800" b="0" i="0" u="none" strike="noStrike" cap="none" normalizeH="0" baseline="0">
+                <a:ln>
+                  <a:noFill/>
+                </a:ln>
+                <a:solidFill>
+                  <a:schemeClr val="tx1"/>
+                </a:solidFill>
+                <a:effectLst/>
+                <a:latin typeface="Arial" panose="020B0604020202020204" pitchFamily="34" charset="0"/>
+              </a:rPr>
+              <a:t/>
+            </a:r>
             <a:br>
               <a:rPr kumimoji="0" lang="ja-JP" altLang="ja-JP" sz="1800" b="0" i="0" u="none" strike="noStrike" cap="none" normalizeH="0" baseline="0">
                 <a:ln>
@@ -19671,7 +19745,7 @@
           <p:cNvPr id="6" name="正方形/長方形 5">
             <a:extLst>
               <a:ext uri="{FF2B5EF4-FFF2-40B4-BE49-F238E27FC236}">
-                <a16:creationId xmlns:a16="http://schemas.microsoft.com/office/drawing/2014/main" id="{FE4C25E0-1435-495C-9094-0D4AE2DDE3C0}"/>
+                <a16:creationId xmlns:a16="http://schemas.microsoft.com/office/drawing/2014/main" xmlns="" id="{FE4C25E0-1435-495C-9094-0D4AE2DDE3C0}"/>
               </a:ext>
             </a:extLst>
           </p:cNvPr>
@@ -19739,7 +19813,7 @@
           <p:cNvPr id="5" name="正方形/長方形 4">
             <a:extLst>
               <a:ext uri="{FF2B5EF4-FFF2-40B4-BE49-F238E27FC236}">
-                <a16:creationId xmlns:a16="http://schemas.microsoft.com/office/drawing/2014/main" id="{86E00FF3-FFDA-4C7F-AA56-47630FE883D0}"/>
+                <a16:creationId xmlns:a16="http://schemas.microsoft.com/office/drawing/2014/main" xmlns="" id="{86E00FF3-FFDA-4C7F-AA56-47630FE883D0}"/>
               </a:ext>
             </a:extLst>
           </p:cNvPr>
@@ -19780,7 +19854,7 @@
           <p:cNvPr id="7" name="正方形/長方形 6">
             <a:extLst>
               <a:ext uri="{FF2B5EF4-FFF2-40B4-BE49-F238E27FC236}">
-                <a16:creationId xmlns:a16="http://schemas.microsoft.com/office/drawing/2014/main" id="{495DEDFA-0E62-4BBA-85DB-60639403B2C0}"/>
+                <a16:creationId xmlns:a16="http://schemas.microsoft.com/office/drawing/2014/main" xmlns="" id="{495DEDFA-0E62-4BBA-85DB-60639403B2C0}"/>
               </a:ext>
             </a:extLst>
           </p:cNvPr>
@@ -19877,7 +19951,7 @@
           <p:cNvPr id="9" name="正方形/長方形 8">
             <a:extLst>
               <a:ext uri="{FF2B5EF4-FFF2-40B4-BE49-F238E27FC236}">
-                <a16:creationId xmlns:a16="http://schemas.microsoft.com/office/drawing/2014/main" id="{DBE7238F-1DAF-44A7-9395-F56BB6652948}"/>
+                <a16:creationId xmlns:a16="http://schemas.microsoft.com/office/drawing/2014/main" xmlns="" id="{DBE7238F-1DAF-44A7-9395-F56BB6652948}"/>
               </a:ext>
             </a:extLst>
           </p:cNvPr>
@@ -20232,7 +20306,7 @@
           <p:cNvPr id="18" name="Picture 2" descr="http://i.imgur.com/KfBZaYY.png">
             <a:extLst>
               <a:ext uri="{FF2B5EF4-FFF2-40B4-BE49-F238E27FC236}">
-                <a16:creationId xmlns:a16="http://schemas.microsoft.com/office/drawing/2014/main" id="{CE259C32-4581-4A7D-90EB-16133B9DF7F1}"/>
+                <a16:creationId xmlns:a16="http://schemas.microsoft.com/office/drawing/2014/main" xmlns="" id="{CE259C32-4581-4A7D-90EB-16133B9DF7F1}"/>
               </a:ext>
             </a:extLst>
           </p:cNvPr>
@@ -20279,7 +20353,7 @@
           <p:cNvPr id="8" name="タイトル 7">
             <a:extLst>
               <a:ext uri="{FF2B5EF4-FFF2-40B4-BE49-F238E27FC236}">
-                <a16:creationId xmlns:a16="http://schemas.microsoft.com/office/drawing/2014/main" id="{1758AE3A-327E-48CE-ABB4-A6340802EF44}"/>
+                <a16:creationId xmlns:a16="http://schemas.microsoft.com/office/drawing/2014/main" xmlns="" id="{1758AE3A-327E-48CE-ABB4-A6340802EF44}"/>
               </a:ext>
             </a:extLst>
           </p:cNvPr>
@@ -20324,7 +20398,7 @@
           <p:cNvPr id="3" name="Rectangle 1">
             <a:extLst>
               <a:ext uri="{FF2B5EF4-FFF2-40B4-BE49-F238E27FC236}">
-                <a16:creationId xmlns:a16="http://schemas.microsoft.com/office/drawing/2014/main" id="{130E6BFC-BE3D-4DC5-99C4-4B103D64FA79}"/>
+                <a16:creationId xmlns:a16="http://schemas.microsoft.com/office/drawing/2014/main" xmlns="" id="{130E6BFC-BE3D-4DC5-99C4-4B103D64FA79}"/>
               </a:ext>
             </a:extLst>
           </p:cNvPr>
@@ -20400,6 +20474,19 @@
               <a:buNone/>
               <a:tabLst/>
             </a:pPr>
+            <a:r>
+              <a:rPr kumimoji="0" lang="ja-JP" altLang="ja-JP" sz="1800" b="0" i="0" u="none" strike="noStrike" cap="none" normalizeH="0" baseline="0">
+                <a:ln>
+                  <a:noFill/>
+                </a:ln>
+                <a:solidFill>
+                  <a:schemeClr val="tx1"/>
+                </a:solidFill>
+                <a:effectLst/>
+                <a:latin typeface="Arial" panose="020B0604020202020204" pitchFamily="34" charset="0"/>
+              </a:rPr>
+              <a:t/>
+            </a:r>
             <a:br>
               <a:rPr kumimoji="0" lang="ja-JP" altLang="ja-JP" sz="1800" b="0" i="0" u="none" strike="noStrike" cap="none" normalizeH="0" baseline="0">
                 <a:ln>
@@ -20430,7 +20517,7 @@
           <p:cNvPr id="6" name="正方形/長方形 5">
             <a:extLst>
               <a:ext uri="{FF2B5EF4-FFF2-40B4-BE49-F238E27FC236}">
-                <a16:creationId xmlns:a16="http://schemas.microsoft.com/office/drawing/2014/main" id="{FE4C25E0-1435-495C-9094-0D4AE2DDE3C0}"/>
+                <a16:creationId xmlns:a16="http://schemas.microsoft.com/office/drawing/2014/main" xmlns="" id="{FE4C25E0-1435-495C-9094-0D4AE2DDE3C0}"/>
               </a:ext>
             </a:extLst>
           </p:cNvPr>
@@ -20556,7 +20643,7 @@
           <p:cNvPr id="5" name="正方形/長方形 4">
             <a:extLst>
               <a:ext uri="{FF2B5EF4-FFF2-40B4-BE49-F238E27FC236}">
-                <a16:creationId xmlns:a16="http://schemas.microsoft.com/office/drawing/2014/main" id="{86E00FF3-FFDA-4C7F-AA56-47630FE883D0}"/>
+                <a16:creationId xmlns:a16="http://schemas.microsoft.com/office/drawing/2014/main" xmlns="" id="{86E00FF3-FFDA-4C7F-AA56-47630FE883D0}"/>
               </a:ext>
             </a:extLst>
           </p:cNvPr>
@@ -20645,7 +20732,7 @@
           <p:cNvPr id="15" name="矢印: 右 1">
             <a:extLst>
               <a:ext uri="{FF2B5EF4-FFF2-40B4-BE49-F238E27FC236}">
-                <a16:creationId xmlns:a16="http://schemas.microsoft.com/office/drawing/2014/main" id="{EEF04591-74E0-4496-B5A0-F658BD8E9012}"/>
+                <a16:creationId xmlns:a16="http://schemas.microsoft.com/office/drawing/2014/main" xmlns="" id="{EEF04591-74E0-4496-B5A0-F658BD8E9012}"/>
               </a:ext>
             </a:extLst>
           </p:cNvPr>
@@ -20694,7 +20781,7 @@
           <p:cNvPr id="16" name="楕円 3">
             <a:extLst>
               <a:ext uri="{FF2B5EF4-FFF2-40B4-BE49-F238E27FC236}">
-                <a16:creationId xmlns:a16="http://schemas.microsoft.com/office/drawing/2014/main" id="{D615C991-4788-4235-8A78-A97FF5F71549}"/>
+                <a16:creationId xmlns:a16="http://schemas.microsoft.com/office/drawing/2014/main" xmlns="" id="{D615C991-4788-4235-8A78-A97FF5F71549}"/>
               </a:ext>
             </a:extLst>
           </p:cNvPr>
@@ -20743,7 +20830,7 @@
           <p:cNvPr id="17" name="楕円 11">
             <a:extLst>
               <a:ext uri="{FF2B5EF4-FFF2-40B4-BE49-F238E27FC236}">
-                <a16:creationId xmlns:a16="http://schemas.microsoft.com/office/drawing/2014/main" id="{98AE86FD-B9E9-4ED6-B995-FD9B937258DB}"/>
+                <a16:creationId xmlns:a16="http://schemas.microsoft.com/office/drawing/2014/main" xmlns="" id="{98AE86FD-B9E9-4ED6-B995-FD9B937258DB}"/>
               </a:ext>
             </a:extLst>
           </p:cNvPr>
@@ -20910,7 +20997,7 @@
           <p:cNvPr id="8" name="タイトル 7">
             <a:extLst>
               <a:ext uri="{FF2B5EF4-FFF2-40B4-BE49-F238E27FC236}">
-                <a16:creationId xmlns:a16="http://schemas.microsoft.com/office/drawing/2014/main" id="{1758AE3A-327E-48CE-ABB4-A6340802EF44}"/>
+                <a16:creationId xmlns:a16="http://schemas.microsoft.com/office/drawing/2014/main" xmlns="" id="{1758AE3A-327E-48CE-ABB4-A6340802EF44}"/>
               </a:ext>
             </a:extLst>
           </p:cNvPr>
@@ -20967,7 +21054,7 @@
                 <a:gridCol w="686366">
                   <a:extLst>
                     <a:ext uri="{9D8B030D-6E8A-4147-A177-3AD203B41FA5}">
-                      <a16:colId xmlns:a16="http://schemas.microsoft.com/office/drawing/2014/main" val="20000"/>
+                      <a16:colId xmlns:a16="http://schemas.microsoft.com/office/drawing/2014/main" xmlns="" val="20000"/>
                     </a:ext>
                   </a:extLst>
                 </a:gridCol>
@@ -21043,7 +21130,7 @@
                 </a:tc>
                 <a:extLst>
                   <a:ext uri="{0D108BD9-81ED-4DB2-BD59-A6C34878D82A}">
-                    <a16:rowId xmlns:a16="http://schemas.microsoft.com/office/drawing/2014/main" val="10000"/>
+                    <a16:rowId xmlns:a16="http://schemas.microsoft.com/office/drawing/2014/main" xmlns="" val="10000"/>
                   </a:ext>
                 </a:extLst>
               </a:tr>
@@ -21119,7 +21206,7 @@
                 </a:tc>
                 <a:extLst>
                   <a:ext uri="{0D108BD9-81ED-4DB2-BD59-A6C34878D82A}">
-                    <a16:rowId xmlns:a16="http://schemas.microsoft.com/office/drawing/2014/main" val="10001"/>
+                    <a16:rowId xmlns:a16="http://schemas.microsoft.com/office/drawing/2014/main" xmlns="" val="10001"/>
                   </a:ext>
                 </a:extLst>
               </a:tr>
@@ -21194,7 +21281,7 @@
                 </a:tc>
                 <a:extLst>
                   <a:ext uri="{0D108BD9-81ED-4DB2-BD59-A6C34878D82A}">
-                    <a16:rowId xmlns:a16="http://schemas.microsoft.com/office/drawing/2014/main" val="10002"/>
+                    <a16:rowId xmlns:a16="http://schemas.microsoft.com/office/drawing/2014/main" xmlns="" val="10002"/>
                   </a:ext>
                 </a:extLst>
               </a:tr>
@@ -21270,7 +21357,7 @@
                 </a:tc>
                 <a:extLst>
                   <a:ext uri="{0D108BD9-81ED-4DB2-BD59-A6C34878D82A}">
-                    <a16:rowId xmlns:a16="http://schemas.microsoft.com/office/drawing/2014/main" val="10003"/>
+                    <a16:rowId xmlns:a16="http://schemas.microsoft.com/office/drawing/2014/main" xmlns="" val="10003"/>
                   </a:ext>
                 </a:extLst>
               </a:tr>
@@ -21345,7 +21432,7 @@
                 </a:tc>
                 <a:extLst>
                   <a:ext uri="{0D108BD9-81ED-4DB2-BD59-A6C34878D82A}">
-                    <a16:rowId xmlns:a16="http://schemas.microsoft.com/office/drawing/2014/main" val="10004"/>
+                    <a16:rowId xmlns:a16="http://schemas.microsoft.com/office/drawing/2014/main" xmlns="" val="10004"/>
                   </a:ext>
                 </a:extLst>
               </a:tr>
@@ -21421,7 +21508,7 @@
                 </a:tc>
                 <a:extLst>
                   <a:ext uri="{0D108BD9-81ED-4DB2-BD59-A6C34878D82A}">
-                    <a16:rowId xmlns:a16="http://schemas.microsoft.com/office/drawing/2014/main" val="10005"/>
+                    <a16:rowId xmlns:a16="http://schemas.microsoft.com/office/drawing/2014/main" xmlns="" val="10005"/>
                   </a:ext>
                 </a:extLst>
               </a:tr>
@@ -21496,7 +21583,7 @@
                 </a:tc>
                 <a:extLst>
                   <a:ext uri="{0D108BD9-81ED-4DB2-BD59-A6C34878D82A}">
-                    <a16:rowId xmlns:a16="http://schemas.microsoft.com/office/drawing/2014/main" val="10006"/>
+                    <a16:rowId xmlns:a16="http://schemas.microsoft.com/office/drawing/2014/main" xmlns="" val="10006"/>
                   </a:ext>
                 </a:extLst>
               </a:tr>
@@ -21572,7 +21659,7 @@
                 </a:tc>
                 <a:extLst>
                   <a:ext uri="{0D108BD9-81ED-4DB2-BD59-A6C34878D82A}">
-                    <a16:rowId xmlns:a16="http://schemas.microsoft.com/office/drawing/2014/main" val="10007"/>
+                    <a16:rowId xmlns:a16="http://schemas.microsoft.com/office/drawing/2014/main" xmlns="" val="10007"/>
                   </a:ext>
                 </a:extLst>
               </a:tr>
@@ -21647,7 +21734,7 @@
                 </a:tc>
                 <a:extLst>
                   <a:ext uri="{0D108BD9-81ED-4DB2-BD59-A6C34878D82A}">
-                    <a16:rowId xmlns:a16="http://schemas.microsoft.com/office/drawing/2014/main" val="10008"/>
+                    <a16:rowId xmlns:a16="http://schemas.microsoft.com/office/drawing/2014/main" xmlns="" val="10008"/>
                   </a:ext>
                 </a:extLst>
               </a:tr>
@@ -21723,7 +21810,7 @@
                 </a:tc>
                 <a:extLst>
                   <a:ext uri="{0D108BD9-81ED-4DB2-BD59-A6C34878D82A}">
-                    <a16:rowId xmlns:a16="http://schemas.microsoft.com/office/drawing/2014/main" val="10009"/>
+                    <a16:rowId xmlns:a16="http://schemas.microsoft.com/office/drawing/2014/main" xmlns="" val="10009"/>
                   </a:ext>
                 </a:extLst>
               </a:tr>
@@ -21798,7 +21885,7 @@
                 </a:tc>
                 <a:extLst>
                   <a:ext uri="{0D108BD9-81ED-4DB2-BD59-A6C34878D82A}">
-                    <a16:rowId xmlns:a16="http://schemas.microsoft.com/office/drawing/2014/main" val="10010"/>
+                    <a16:rowId xmlns:a16="http://schemas.microsoft.com/office/drawing/2014/main" xmlns="" val="10010"/>
                   </a:ext>
                 </a:extLst>
               </a:tr>
@@ -21874,7 +21961,7 @@
                 </a:tc>
                 <a:extLst>
                   <a:ext uri="{0D108BD9-81ED-4DB2-BD59-A6C34878D82A}">
-                    <a16:rowId xmlns:a16="http://schemas.microsoft.com/office/drawing/2014/main" val="10011"/>
+                    <a16:rowId xmlns:a16="http://schemas.microsoft.com/office/drawing/2014/main" xmlns="" val="10011"/>
                   </a:ext>
                 </a:extLst>
               </a:tr>
@@ -21916,7 +22003,7 @@
           <p:cNvPr id="28" name="吹き出し: 四角形 22">
             <a:extLst>
               <a:ext uri="{FF2B5EF4-FFF2-40B4-BE49-F238E27FC236}">
-                <a16:creationId xmlns:a16="http://schemas.microsoft.com/office/drawing/2014/main" id="{7D89D131-0024-4E0F-930F-E4CCB1780D0B}"/>
+                <a16:creationId xmlns:a16="http://schemas.microsoft.com/office/drawing/2014/main" xmlns="" id="{7D89D131-0024-4E0F-930F-E4CCB1780D0B}"/>
               </a:ext>
             </a:extLst>
           </p:cNvPr>
@@ -21980,7 +22067,7 @@
           <p:cNvPr id="31" name="吹き出し: 四角形 22">
             <a:extLst>
               <a:ext uri="{FF2B5EF4-FFF2-40B4-BE49-F238E27FC236}">
-                <a16:creationId xmlns:a16="http://schemas.microsoft.com/office/drawing/2014/main" id="{7D89D131-0024-4E0F-930F-E4CCB1780D0B}"/>
+                <a16:creationId xmlns:a16="http://schemas.microsoft.com/office/drawing/2014/main" xmlns="" id="{7D89D131-0024-4E0F-930F-E4CCB1780D0B}"/>
               </a:ext>
             </a:extLst>
           </p:cNvPr>
@@ -22044,7 +22131,7 @@
           <p:cNvPr id="32" name="吹き出し: 四角形 22">
             <a:extLst>
               <a:ext uri="{FF2B5EF4-FFF2-40B4-BE49-F238E27FC236}">
-                <a16:creationId xmlns:a16="http://schemas.microsoft.com/office/drawing/2014/main" id="{7D89D131-0024-4E0F-930F-E4CCB1780D0B}"/>
+                <a16:creationId xmlns:a16="http://schemas.microsoft.com/office/drawing/2014/main" xmlns="" id="{7D89D131-0024-4E0F-930F-E4CCB1780D0B}"/>
               </a:ext>
             </a:extLst>
           </p:cNvPr>
@@ -22493,7 +22580,7 @@
           <p:cNvPr id="9" name="正方形/長方形 8">
             <a:extLst>
               <a:ext uri="{FF2B5EF4-FFF2-40B4-BE49-F238E27FC236}">
-                <a16:creationId xmlns:a16="http://schemas.microsoft.com/office/drawing/2014/main" id="{4312DF6D-120A-40D4-B823-0F5D99D5D8B2}"/>
+                <a16:creationId xmlns:a16="http://schemas.microsoft.com/office/drawing/2014/main" xmlns="" id="{4312DF6D-120A-40D4-B823-0F5D99D5D8B2}"/>
               </a:ext>
             </a:extLst>
           </p:cNvPr>
@@ -22783,7 +22870,7 @@
           <p:cNvPr id="1028" name="Picture 4" descr="TensorFlow Object detection API">
             <a:extLst>
               <a:ext uri="{FF2B5EF4-FFF2-40B4-BE49-F238E27FC236}">
-                <a16:creationId xmlns:a16="http://schemas.microsoft.com/office/drawing/2014/main" id="{B51782EB-0B96-4B7B-9CD7-1D3DF7CF8D12}"/>
+                <a16:creationId xmlns:a16="http://schemas.microsoft.com/office/drawing/2014/main" xmlns="" id="{B51782EB-0B96-4B7B-9CD7-1D3DF7CF8D12}"/>
               </a:ext>
             </a:extLst>
           </p:cNvPr>
@@ -22830,7 +22917,7 @@
           <p:cNvPr id="4" name="正方形/長方形 3">
             <a:extLst>
               <a:ext uri="{FF2B5EF4-FFF2-40B4-BE49-F238E27FC236}">
-                <a16:creationId xmlns:a16="http://schemas.microsoft.com/office/drawing/2014/main" id="{4BEA0DA5-69F4-4AA4-8DD1-8F184A4B07BB}"/>
+                <a16:creationId xmlns:a16="http://schemas.microsoft.com/office/drawing/2014/main" xmlns="" id="{4BEA0DA5-69F4-4AA4-8DD1-8F184A4B07BB}"/>
               </a:ext>
             </a:extLst>
           </p:cNvPr>
@@ -22864,7 +22951,7 @@
           <p:cNvPr id="7" name="タイトル 1">
             <a:extLst>
               <a:ext uri="{FF2B5EF4-FFF2-40B4-BE49-F238E27FC236}">
-                <a16:creationId xmlns:a16="http://schemas.microsoft.com/office/drawing/2014/main" id="{D02F9B57-4396-4549-9071-3FC309E9EE50}"/>
+                <a16:creationId xmlns:a16="http://schemas.microsoft.com/office/drawing/2014/main" xmlns="" id="{D02F9B57-4396-4549-9071-3FC309E9EE50}"/>
               </a:ext>
             </a:extLst>
           </p:cNvPr>
@@ -22925,7 +23012,7 @@
           <p:cNvPr id="9" name="コンテンツ プレースホルダー 2">
             <a:extLst>
               <a:ext uri="{FF2B5EF4-FFF2-40B4-BE49-F238E27FC236}">
-                <a16:creationId xmlns:a16="http://schemas.microsoft.com/office/drawing/2014/main" id="{6DDA4A46-F49B-4654-951C-B00301BC56E6}"/>
+                <a16:creationId xmlns:a16="http://schemas.microsoft.com/office/drawing/2014/main" xmlns="" id="{6DDA4A46-F49B-4654-951C-B00301BC56E6}"/>
               </a:ext>
             </a:extLst>
           </p:cNvPr>
@@ -23246,7 +23333,7 @@
           <p:cNvPr id="1032" name="Picture 8" descr="「image classification deep learning」の画像検索結果">
             <a:extLst>
               <a:ext uri="{FF2B5EF4-FFF2-40B4-BE49-F238E27FC236}">
-                <a16:creationId xmlns:a16="http://schemas.microsoft.com/office/drawing/2014/main" id="{D0ABBEEC-D477-4839-840F-E491FE6AA2FF}"/>
+                <a16:creationId xmlns:a16="http://schemas.microsoft.com/office/drawing/2014/main" xmlns="" id="{D0ABBEEC-D477-4839-840F-E491FE6AA2FF}"/>
               </a:ext>
             </a:extLst>
           </p:cNvPr>
@@ -23291,7 +23378,7 @@
           <p:cNvPr id="6" name="正方形/長方形 5">
             <a:extLst>
               <a:ext uri="{FF2B5EF4-FFF2-40B4-BE49-F238E27FC236}">
-                <a16:creationId xmlns:a16="http://schemas.microsoft.com/office/drawing/2014/main" id="{9161EA21-1221-4023-AEAC-903B140226E6}"/>
+                <a16:creationId xmlns:a16="http://schemas.microsoft.com/office/drawing/2014/main" xmlns="" id="{9161EA21-1221-4023-AEAC-903B140226E6}"/>
               </a:ext>
             </a:extLst>
           </p:cNvPr>
@@ -23325,7 +23412,7 @@
           <p:cNvPr id="13" name="タイトル 1">
             <a:extLst>
               <a:ext uri="{FF2B5EF4-FFF2-40B4-BE49-F238E27FC236}">
-                <a16:creationId xmlns:a16="http://schemas.microsoft.com/office/drawing/2014/main" id="{3C341417-B019-4414-B90F-A817C2DF676C}"/>
+                <a16:creationId xmlns:a16="http://schemas.microsoft.com/office/drawing/2014/main" xmlns="" id="{3C341417-B019-4414-B90F-A817C2DF676C}"/>
               </a:ext>
             </a:extLst>
           </p:cNvPr>
@@ -23453,7 +23540,7 @@
           <p:cNvPr id="15" name="吹き出し: 四角形 11">
             <a:extLst>
               <a:ext uri="{FF2B5EF4-FFF2-40B4-BE49-F238E27FC236}">
-                <a16:creationId xmlns:a16="http://schemas.microsoft.com/office/drawing/2014/main" id="{8987B67B-5D32-4D28-8BCA-0764ACF2D483}"/>
+                <a16:creationId xmlns:a16="http://schemas.microsoft.com/office/drawing/2014/main" xmlns="" id="{8987B67B-5D32-4D28-8BCA-0764ACF2D483}"/>
               </a:ext>
             </a:extLst>
           </p:cNvPr>
@@ -23562,7 +23649,7 @@
           <p:cNvPr id="9" name="Picture 4" descr="TensorFlow Object detection API">
             <a:extLst>
               <a:ext uri="{FF2B5EF4-FFF2-40B4-BE49-F238E27FC236}">
-                <a16:creationId xmlns:a16="http://schemas.microsoft.com/office/drawing/2014/main" id="{B51782EB-0B96-4B7B-9CD7-1D3DF7CF8D12}"/>
+                <a16:creationId xmlns:a16="http://schemas.microsoft.com/office/drawing/2014/main" xmlns="" id="{B51782EB-0B96-4B7B-9CD7-1D3DF7CF8D12}"/>
               </a:ext>
             </a:extLst>
           </p:cNvPr>
@@ -23609,7 +23696,7 @@
           <p:cNvPr id="8" name="タイトル 7">
             <a:extLst>
               <a:ext uri="{FF2B5EF4-FFF2-40B4-BE49-F238E27FC236}">
-                <a16:creationId xmlns:a16="http://schemas.microsoft.com/office/drawing/2014/main" id="{1758AE3A-327E-48CE-ABB4-A6340802EF44}"/>
+                <a16:creationId xmlns:a16="http://schemas.microsoft.com/office/drawing/2014/main" xmlns="" id="{1758AE3A-327E-48CE-ABB4-A6340802EF44}"/>
               </a:ext>
             </a:extLst>
           </p:cNvPr>
@@ -23645,7 +23732,7 @@
           <p:cNvPr id="3" name="Rectangle 1">
             <a:extLst>
               <a:ext uri="{FF2B5EF4-FFF2-40B4-BE49-F238E27FC236}">
-                <a16:creationId xmlns:a16="http://schemas.microsoft.com/office/drawing/2014/main" id="{130E6BFC-BE3D-4DC5-99C4-4B103D64FA79}"/>
+                <a16:creationId xmlns:a16="http://schemas.microsoft.com/office/drawing/2014/main" xmlns="" id="{130E6BFC-BE3D-4DC5-99C4-4B103D64FA79}"/>
               </a:ext>
             </a:extLst>
           </p:cNvPr>
@@ -23721,6 +23808,19 @@
               <a:buNone/>
               <a:tabLst/>
             </a:pPr>
+            <a:r>
+              <a:rPr kumimoji="0" lang="ja-JP" altLang="ja-JP" sz="1800" b="0" i="0" u="none" strike="noStrike" cap="none" normalizeH="0" baseline="0">
+                <a:ln>
+                  <a:noFill/>
+                </a:ln>
+                <a:solidFill>
+                  <a:schemeClr val="tx1"/>
+                </a:solidFill>
+                <a:effectLst/>
+                <a:latin typeface="Arial" panose="020B0604020202020204" pitchFamily="34" charset="0"/>
+              </a:rPr>
+              <a:t/>
+            </a:r>
             <a:br>
               <a:rPr kumimoji="0" lang="ja-JP" altLang="ja-JP" sz="1800" b="0" i="0" u="none" strike="noStrike" cap="none" normalizeH="0" baseline="0">
                 <a:ln>
@@ -23968,6 +24068,10 @@
             <a:r>
               <a:rPr lang="ja-JP" altLang="en-US" sz="2400" dirty="0"/>
               <a:t>を出力する。</a:t>
+            </a:r>
+            <a:r>
+              <a:rPr lang="en-US" altLang="ja-JP" sz="2400" dirty="0"/>
+              <a:t/>
             </a:r>
             <a:br>
               <a:rPr lang="en-US" altLang="ja-JP" sz="2400" dirty="0"/>
@@ -24028,6 +24132,10 @@
               <a:rPr kumimoji="1" lang="ja-JP" altLang="en-US" dirty="0"/>
               <a:t>％</a:t>
             </a:r>
+            <a:r>
+              <a:rPr kumimoji="1" lang="en-US" altLang="ja-JP" dirty="0"/>
+              <a:t/>
+            </a:r>
             <a:br>
               <a:rPr kumimoji="1" lang="en-US" altLang="ja-JP" dirty="0"/>
             </a:br>
@@ -24130,6 +24238,10 @@
             <a:r>
               <a:rPr kumimoji="1" lang="ja-JP" altLang="en-US" dirty="0"/>
               <a:t>％</a:t>
+            </a:r>
+            <a:r>
+              <a:rPr kumimoji="1" lang="en-US" altLang="ja-JP" dirty="0"/>
+              <a:t/>
             </a:r>
             <a:br>
               <a:rPr kumimoji="1" lang="en-US" altLang="ja-JP" dirty="0"/>
@@ -24196,7 +24308,7 @@
           <p:cNvPr id="8" name="タイトル 7">
             <a:extLst>
               <a:ext uri="{FF2B5EF4-FFF2-40B4-BE49-F238E27FC236}">
-                <a16:creationId xmlns:a16="http://schemas.microsoft.com/office/drawing/2014/main" id="{1758AE3A-327E-48CE-ABB4-A6340802EF44}"/>
+                <a16:creationId xmlns:a16="http://schemas.microsoft.com/office/drawing/2014/main" xmlns="" id="{1758AE3A-327E-48CE-ABB4-A6340802EF44}"/>
               </a:ext>
             </a:extLst>
           </p:cNvPr>
@@ -25007,63 +25119,63 @@
                 <a:gridCol w="811162">
                   <a:extLst>
                     <a:ext uri="{9D8B030D-6E8A-4147-A177-3AD203B41FA5}">
-                      <a16:colId xmlns:a16="http://schemas.microsoft.com/office/drawing/2014/main" val="20000"/>
+                      <a16:colId xmlns:a16="http://schemas.microsoft.com/office/drawing/2014/main" xmlns="" val="20000"/>
                     </a:ext>
                   </a:extLst>
                 </a:gridCol>
                 <a:gridCol w="811162">
                   <a:extLst>
                     <a:ext uri="{9D8B030D-6E8A-4147-A177-3AD203B41FA5}">
-                      <a16:colId xmlns:a16="http://schemas.microsoft.com/office/drawing/2014/main" val="20001"/>
+                      <a16:colId xmlns:a16="http://schemas.microsoft.com/office/drawing/2014/main" xmlns="" val="20001"/>
                     </a:ext>
                   </a:extLst>
                 </a:gridCol>
                 <a:gridCol w="811162">
                   <a:extLst>
                     <a:ext uri="{9D8B030D-6E8A-4147-A177-3AD203B41FA5}">
-                      <a16:colId xmlns:a16="http://schemas.microsoft.com/office/drawing/2014/main" val="20002"/>
+                      <a16:colId xmlns:a16="http://schemas.microsoft.com/office/drawing/2014/main" xmlns="" val="20002"/>
                     </a:ext>
                   </a:extLst>
                 </a:gridCol>
                 <a:gridCol w="811162">
                   <a:extLst>
                     <a:ext uri="{9D8B030D-6E8A-4147-A177-3AD203B41FA5}">
-                      <a16:colId xmlns:a16="http://schemas.microsoft.com/office/drawing/2014/main" val="20003"/>
+                      <a16:colId xmlns:a16="http://schemas.microsoft.com/office/drawing/2014/main" xmlns="" val="20003"/>
                     </a:ext>
                   </a:extLst>
                 </a:gridCol>
                 <a:gridCol w="811162">
                   <a:extLst>
                     <a:ext uri="{9D8B030D-6E8A-4147-A177-3AD203B41FA5}">
-                      <a16:colId xmlns:a16="http://schemas.microsoft.com/office/drawing/2014/main" val="20004"/>
+                      <a16:colId xmlns:a16="http://schemas.microsoft.com/office/drawing/2014/main" xmlns="" val="20004"/>
                     </a:ext>
                   </a:extLst>
                 </a:gridCol>
                 <a:gridCol w="811162">
                   <a:extLst>
                     <a:ext uri="{9D8B030D-6E8A-4147-A177-3AD203B41FA5}">
-                      <a16:colId xmlns:a16="http://schemas.microsoft.com/office/drawing/2014/main" val="20005"/>
+                      <a16:colId xmlns:a16="http://schemas.microsoft.com/office/drawing/2014/main" xmlns="" val="20005"/>
                     </a:ext>
                   </a:extLst>
                 </a:gridCol>
                 <a:gridCol w="811162">
                   <a:extLst>
                     <a:ext uri="{9D8B030D-6E8A-4147-A177-3AD203B41FA5}">
-                      <a16:colId xmlns:a16="http://schemas.microsoft.com/office/drawing/2014/main" val="20006"/>
+                      <a16:colId xmlns:a16="http://schemas.microsoft.com/office/drawing/2014/main" xmlns="" val="20006"/>
                     </a:ext>
                   </a:extLst>
                 </a:gridCol>
                 <a:gridCol w="811162">
                   <a:extLst>
                     <a:ext uri="{9D8B030D-6E8A-4147-A177-3AD203B41FA5}">
-                      <a16:colId xmlns:a16="http://schemas.microsoft.com/office/drawing/2014/main" val="20007"/>
+                      <a16:colId xmlns:a16="http://schemas.microsoft.com/office/drawing/2014/main" xmlns="" val="20007"/>
                     </a:ext>
                   </a:extLst>
                 </a:gridCol>
                 <a:gridCol w="811162">
                   <a:extLst>
                     <a:ext uri="{9D8B030D-6E8A-4147-A177-3AD203B41FA5}">
-                      <a16:colId xmlns:a16="http://schemas.microsoft.com/office/drawing/2014/main" val="20008"/>
+                      <a16:colId xmlns:a16="http://schemas.microsoft.com/office/drawing/2014/main" xmlns="" val="20008"/>
                     </a:ext>
                   </a:extLst>
                 </a:gridCol>
@@ -25206,7 +25318,7 @@
                 </a:tc>
                 <a:extLst>
                   <a:ext uri="{0D108BD9-81ED-4DB2-BD59-A6C34878D82A}">
-                    <a16:rowId xmlns:a16="http://schemas.microsoft.com/office/drawing/2014/main" val="10000"/>
+                    <a16:rowId xmlns:a16="http://schemas.microsoft.com/office/drawing/2014/main" xmlns="" val="10000"/>
                   </a:ext>
                 </a:extLst>
               </a:tr>
@@ -25303,7 +25415,7 @@
                 </a:tc>
                 <a:extLst>
                   <a:ext uri="{0D108BD9-81ED-4DB2-BD59-A6C34878D82A}">
-                    <a16:rowId xmlns:a16="http://schemas.microsoft.com/office/drawing/2014/main" val="10001"/>
+                    <a16:rowId xmlns:a16="http://schemas.microsoft.com/office/drawing/2014/main" xmlns="" val="10001"/>
                   </a:ext>
                 </a:extLst>
               </a:tr>
@@ -25400,7 +25512,7 @@
                 </a:tc>
                 <a:extLst>
                   <a:ext uri="{0D108BD9-81ED-4DB2-BD59-A6C34878D82A}">
-                    <a16:rowId xmlns:a16="http://schemas.microsoft.com/office/drawing/2014/main" val="10002"/>
+                    <a16:rowId xmlns:a16="http://schemas.microsoft.com/office/drawing/2014/main" xmlns="" val="10002"/>
                   </a:ext>
                 </a:extLst>
               </a:tr>
@@ -25497,7 +25609,7 @@
                 </a:tc>
                 <a:extLst>
                   <a:ext uri="{0D108BD9-81ED-4DB2-BD59-A6C34878D82A}">
-                    <a16:rowId xmlns:a16="http://schemas.microsoft.com/office/drawing/2014/main" val="10003"/>
+                    <a16:rowId xmlns:a16="http://schemas.microsoft.com/office/drawing/2014/main" xmlns="" val="10003"/>
                   </a:ext>
                 </a:extLst>
               </a:tr>
@@ -25594,7 +25706,7 @@
                 </a:tc>
                 <a:extLst>
                   <a:ext uri="{0D108BD9-81ED-4DB2-BD59-A6C34878D82A}">
-                    <a16:rowId xmlns:a16="http://schemas.microsoft.com/office/drawing/2014/main" val="10004"/>
+                    <a16:rowId xmlns:a16="http://schemas.microsoft.com/office/drawing/2014/main" xmlns="" val="10004"/>
                   </a:ext>
                 </a:extLst>
               </a:tr>
@@ -25658,7 +25770,7 @@
           <p:cNvPr id="8" name="タイトル 7">
             <a:extLst>
               <a:ext uri="{FF2B5EF4-FFF2-40B4-BE49-F238E27FC236}">
-                <a16:creationId xmlns:a16="http://schemas.microsoft.com/office/drawing/2014/main" id="{1758AE3A-327E-48CE-ABB4-A6340802EF44}"/>
+                <a16:creationId xmlns:a16="http://schemas.microsoft.com/office/drawing/2014/main" xmlns="" id="{1758AE3A-327E-48CE-ABB4-A6340802EF44}"/>
               </a:ext>
             </a:extLst>
           </p:cNvPr>
@@ -25696,7 +25808,7 @@
           <p:cNvPr id="11" name="正方形/長方形 10">
             <a:extLst>
               <a:ext uri="{FF2B5EF4-FFF2-40B4-BE49-F238E27FC236}">
-                <a16:creationId xmlns:a16="http://schemas.microsoft.com/office/drawing/2014/main" id="{8B8A7059-C8FC-461B-81F4-06EE1B3FBBE4}"/>
+                <a16:creationId xmlns:a16="http://schemas.microsoft.com/office/drawing/2014/main" xmlns="" id="{8B8A7059-C8FC-461B-81F4-06EE1B3FBBE4}"/>
               </a:ext>
             </a:extLst>
           </p:cNvPr>
@@ -26498,7 +26610,7 @@
                 <a:gridCol w="811162">
                   <a:extLst>
                     <a:ext uri="{9D8B030D-6E8A-4147-A177-3AD203B41FA5}">
-                      <a16:colId xmlns:a16="http://schemas.microsoft.com/office/drawing/2014/main" val="20000"/>
+                      <a16:colId xmlns:a16="http://schemas.microsoft.com/office/drawing/2014/main" xmlns="" val="20000"/>
                     </a:ext>
                   </a:extLst>
                 </a:gridCol>
@@ -26521,7 +26633,7 @@
                 </a:tc>
                 <a:extLst>
                   <a:ext uri="{0D108BD9-81ED-4DB2-BD59-A6C34878D82A}">
-                    <a16:rowId xmlns:a16="http://schemas.microsoft.com/office/drawing/2014/main" val="10000"/>
+                    <a16:rowId xmlns:a16="http://schemas.microsoft.com/office/drawing/2014/main" xmlns="" val="10000"/>
                   </a:ext>
                 </a:extLst>
               </a:tr>
@@ -26538,7 +26650,7 @@
                 </a:tc>
                 <a:extLst>
                   <a:ext uri="{0D108BD9-81ED-4DB2-BD59-A6C34878D82A}">
-                    <a16:rowId xmlns:a16="http://schemas.microsoft.com/office/drawing/2014/main" val="10001"/>
+                    <a16:rowId xmlns:a16="http://schemas.microsoft.com/office/drawing/2014/main" xmlns="" val="10001"/>
                   </a:ext>
                 </a:extLst>
               </a:tr>
@@ -26555,7 +26667,7 @@
                 </a:tc>
                 <a:extLst>
                   <a:ext uri="{0D108BD9-81ED-4DB2-BD59-A6C34878D82A}">
-                    <a16:rowId xmlns:a16="http://schemas.microsoft.com/office/drawing/2014/main" val="10002"/>
+                    <a16:rowId xmlns:a16="http://schemas.microsoft.com/office/drawing/2014/main" xmlns="" val="10002"/>
                   </a:ext>
                 </a:extLst>
               </a:tr>
@@ -26572,7 +26684,7 @@
                 </a:tc>
                 <a:extLst>
                   <a:ext uri="{0D108BD9-81ED-4DB2-BD59-A6C34878D82A}">
-                    <a16:rowId xmlns:a16="http://schemas.microsoft.com/office/drawing/2014/main" val="10003"/>
+                    <a16:rowId xmlns:a16="http://schemas.microsoft.com/office/drawing/2014/main" xmlns="" val="10003"/>
                   </a:ext>
                 </a:extLst>
               </a:tr>
@@ -26589,7 +26701,7 @@
                 </a:tc>
                 <a:extLst>
                   <a:ext uri="{0D108BD9-81ED-4DB2-BD59-A6C34878D82A}">
-                    <a16:rowId xmlns:a16="http://schemas.microsoft.com/office/drawing/2014/main" val="10004"/>
+                    <a16:rowId xmlns:a16="http://schemas.microsoft.com/office/drawing/2014/main" xmlns="" val="10004"/>
                   </a:ext>
                 </a:extLst>
               </a:tr>
@@ -26807,7 +26919,7 @@
           <p:cNvPr id="5" name="コンテンツ プレースホルダー 4">
             <a:extLst>
               <a:ext uri="{FF2B5EF4-FFF2-40B4-BE49-F238E27FC236}">
-                <a16:creationId xmlns:a16="http://schemas.microsoft.com/office/drawing/2014/main" id="{EA55F7D1-108A-4A1F-B9F5-34B01AC14D73}"/>
+                <a16:creationId xmlns:a16="http://schemas.microsoft.com/office/drawing/2014/main" xmlns="" id="{EA55F7D1-108A-4A1F-B9F5-34B01AC14D73}"/>
               </a:ext>
             </a:extLst>
           </p:cNvPr>
@@ -27026,7 +27138,7 @@
           <p:cNvPr id="8" name="タイトル 7">
             <a:extLst>
               <a:ext uri="{FF2B5EF4-FFF2-40B4-BE49-F238E27FC236}">
-                <a16:creationId xmlns:a16="http://schemas.microsoft.com/office/drawing/2014/main" id="{1758AE3A-327E-48CE-ABB4-A6340802EF44}"/>
+                <a16:creationId xmlns:a16="http://schemas.microsoft.com/office/drawing/2014/main" xmlns="" id="{1758AE3A-327E-48CE-ABB4-A6340802EF44}"/>
               </a:ext>
             </a:extLst>
           </p:cNvPr>
@@ -27209,7 +27321,7 @@
           <p:cNvPr id="29" name="正方形/長方形 28">
             <a:extLst>
               <a:ext uri="{FF2B5EF4-FFF2-40B4-BE49-F238E27FC236}">
-                <a16:creationId xmlns:a16="http://schemas.microsoft.com/office/drawing/2014/main" id="{CEDE55CF-BC0E-454D-8DC9-D161DA61BF80}"/>
+                <a16:creationId xmlns:a16="http://schemas.microsoft.com/office/drawing/2014/main" xmlns="" id="{CEDE55CF-BC0E-454D-8DC9-D161DA61BF80}"/>
               </a:ext>
             </a:extLst>
           </p:cNvPr>
@@ -27273,63 +27385,63 @@
                 <a:gridCol w="811162">
                   <a:extLst>
                     <a:ext uri="{9D8B030D-6E8A-4147-A177-3AD203B41FA5}">
-                      <a16:colId xmlns:a16="http://schemas.microsoft.com/office/drawing/2014/main" val="20000"/>
+                      <a16:colId xmlns:a16="http://schemas.microsoft.com/office/drawing/2014/main" xmlns="" val="20000"/>
                     </a:ext>
                   </a:extLst>
                 </a:gridCol>
                 <a:gridCol w="811162">
                   <a:extLst>
                     <a:ext uri="{9D8B030D-6E8A-4147-A177-3AD203B41FA5}">
-                      <a16:colId xmlns:a16="http://schemas.microsoft.com/office/drawing/2014/main" val="20001"/>
+                      <a16:colId xmlns:a16="http://schemas.microsoft.com/office/drawing/2014/main" xmlns="" val="20001"/>
                     </a:ext>
                   </a:extLst>
                 </a:gridCol>
                 <a:gridCol w="811162">
                   <a:extLst>
                     <a:ext uri="{9D8B030D-6E8A-4147-A177-3AD203B41FA5}">
-                      <a16:colId xmlns:a16="http://schemas.microsoft.com/office/drawing/2014/main" val="20002"/>
+                      <a16:colId xmlns:a16="http://schemas.microsoft.com/office/drawing/2014/main" xmlns="" val="20002"/>
                     </a:ext>
                   </a:extLst>
                 </a:gridCol>
                 <a:gridCol w="811162">
                   <a:extLst>
                     <a:ext uri="{9D8B030D-6E8A-4147-A177-3AD203B41FA5}">
-                      <a16:colId xmlns:a16="http://schemas.microsoft.com/office/drawing/2014/main" val="20003"/>
+                      <a16:colId xmlns:a16="http://schemas.microsoft.com/office/drawing/2014/main" xmlns="" val="20003"/>
                     </a:ext>
                   </a:extLst>
                 </a:gridCol>
                 <a:gridCol w="811162">
                   <a:extLst>
                     <a:ext uri="{9D8B030D-6E8A-4147-A177-3AD203B41FA5}">
-                      <a16:colId xmlns:a16="http://schemas.microsoft.com/office/drawing/2014/main" val="20004"/>
+                      <a16:colId xmlns:a16="http://schemas.microsoft.com/office/drawing/2014/main" xmlns="" val="20004"/>
                     </a:ext>
                   </a:extLst>
                 </a:gridCol>
                 <a:gridCol w="811162">
                   <a:extLst>
                     <a:ext uri="{9D8B030D-6E8A-4147-A177-3AD203B41FA5}">
-                      <a16:colId xmlns:a16="http://schemas.microsoft.com/office/drawing/2014/main" val="20005"/>
+                      <a16:colId xmlns:a16="http://schemas.microsoft.com/office/drawing/2014/main" xmlns="" val="20005"/>
                     </a:ext>
                   </a:extLst>
                 </a:gridCol>
                 <a:gridCol w="811162">
                   <a:extLst>
                     <a:ext uri="{9D8B030D-6E8A-4147-A177-3AD203B41FA5}">
-                      <a16:colId xmlns:a16="http://schemas.microsoft.com/office/drawing/2014/main" val="20006"/>
+                      <a16:colId xmlns:a16="http://schemas.microsoft.com/office/drawing/2014/main" xmlns="" val="20006"/>
                     </a:ext>
                   </a:extLst>
                 </a:gridCol>
                 <a:gridCol w="811162">
                   <a:extLst>
                     <a:ext uri="{9D8B030D-6E8A-4147-A177-3AD203B41FA5}">
-                      <a16:colId xmlns:a16="http://schemas.microsoft.com/office/drawing/2014/main" val="20007"/>
+                      <a16:colId xmlns:a16="http://schemas.microsoft.com/office/drawing/2014/main" xmlns="" val="20007"/>
                     </a:ext>
                   </a:extLst>
                 </a:gridCol>
                 <a:gridCol w="811162">
                   <a:extLst>
                     <a:ext uri="{9D8B030D-6E8A-4147-A177-3AD203B41FA5}">
-                      <a16:colId xmlns:a16="http://schemas.microsoft.com/office/drawing/2014/main" val="20008"/>
+                      <a16:colId xmlns:a16="http://schemas.microsoft.com/office/drawing/2014/main" xmlns="" val="20008"/>
                     </a:ext>
                   </a:extLst>
                 </a:gridCol>
@@ -27480,7 +27592,7 @@
                 </a:tc>
                 <a:extLst>
                   <a:ext uri="{0D108BD9-81ED-4DB2-BD59-A6C34878D82A}">
-                    <a16:rowId xmlns:a16="http://schemas.microsoft.com/office/drawing/2014/main" val="10000"/>
+                    <a16:rowId xmlns:a16="http://schemas.microsoft.com/office/drawing/2014/main" xmlns="" val="10000"/>
                   </a:ext>
                 </a:extLst>
               </a:tr>
@@ -27577,7 +27689,7 @@
                 </a:tc>
                 <a:extLst>
                   <a:ext uri="{0D108BD9-81ED-4DB2-BD59-A6C34878D82A}">
-                    <a16:rowId xmlns:a16="http://schemas.microsoft.com/office/drawing/2014/main" val="10001"/>
+                    <a16:rowId xmlns:a16="http://schemas.microsoft.com/office/drawing/2014/main" xmlns="" val="10001"/>
                   </a:ext>
                 </a:extLst>
               </a:tr>
@@ -27674,7 +27786,7 @@
                 </a:tc>
                 <a:extLst>
                   <a:ext uri="{0D108BD9-81ED-4DB2-BD59-A6C34878D82A}">
-                    <a16:rowId xmlns:a16="http://schemas.microsoft.com/office/drawing/2014/main" val="10002"/>
+                    <a16:rowId xmlns:a16="http://schemas.microsoft.com/office/drawing/2014/main" xmlns="" val="10002"/>
                   </a:ext>
                 </a:extLst>
               </a:tr>
@@ -27948,7 +28060,7 @@
           <p:cNvPr id="8" name="タイトル 7">
             <a:extLst>
               <a:ext uri="{FF2B5EF4-FFF2-40B4-BE49-F238E27FC236}">
-                <a16:creationId xmlns:a16="http://schemas.microsoft.com/office/drawing/2014/main" id="{1758AE3A-327E-48CE-ABB4-A6340802EF44}"/>
+                <a16:creationId xmlns:a16="http://schemas.microsoft.com/office/drawing/2014/main" xmlns="" id="{1758AE3A-327E-48CE-ABB4-A6340802EF44}"/>
               </a:ext>
             </a:extLst>
           </p:cNvPr>
@@ -28100,7 +28212,7 @@
           <p:cNvPr id="9" name="図 8">
             <a:extLst>
               <a:ext uri="{FF2B5EF4-FFF2-40B4-BE49-F238E27FC236}">
-                <a16:creationId xmlns:a16="http://schemas.microsoft.com/office/drawing/2014/main" id="{252A4CC6-27CE-47CC-8AF0-EF6C968BF8D4}"/>
+                <a16:creationId xmlns:a16="http://schemas.microsoft.com/office/drawing/2014/main" xmlns="" id="{252A4CC6-27CE-47CC-8AF0-EF6C968BF8D4}"/>
               </a:ext>
             </a:extLst>
           </p:cNvPr>
@@ -28177,7 +28289,7 @@
           <p:cNvPr id="8" name="タイトル 7">
             <a:extLst>
               <a:ext uri="{FF2B5EF4-FFF2-40B4-BE49-F238E27FC236}">
-                <a16:creationId xmlns:a16="http://schemas.microsoft.com/office/drawing/2014/main" id="{1758AE3A-327E-48CE-ABB4-A6340802EF44}"/>
+                <a16:creationId xmlns:a16="http://schemas.microsoft.com/office/drawing/2014/main" xmlns="" id="{1758AE3A-327E-48CE-ABB4-A6340802EF44}"/>
               </a:ext>
             </a:extLst>
           </p:cNvPr>
@@ -28222,7 +28334,7 @@
           <p:cNvPr id="5" name="グラフ 4">
             <a:extLst>
               <a:ext uri="{FF2B5EF4-FFF2-40B4-BE49-F238E27FC236}">
-                <a16:creationId xmlns:a16="http://schemas.microsoft.com/office/drawing/2014/main" id="{BE9A5535-0A63-43AD-890A-140FAC8C7E5F}"/>
+                <a16:creationId xmlns:a16="http://schemas.microsoft.com/office/drawing/2014/main" xmlns="" id="{BE9A5535-0A63-43AD-890A-140FAC8C7E5F}"/>
               </a:ext>
             </a:extLst>
           </p:cNvPr>
@@ -28252,7 +28364,7 @@
           <p:cNvPr id="2" name="正方形/長方形 1">
             <a:extLst>
               <a:ext uri="{FF2B5EF4-FFF2-40B4-BE49-F238E27FC236}">
-                <a16:creationId xmlns:a16="http://schemas.microsoft.com/office/drawing/2014/main" id="{B82C973F-9D59-4FE7-9960-5BDF7A855CE7}"/>
+                <a16:creationId xmlns:a16="http://schemas.microsoft.com/office/drawing/2014/main" xmlns="" id="{B82C973F-9D59-4FE7-9960-5BDF7A855CE7}"/>
               </a:ext>
             </a:extLst>
           </p:cNvPr>
@@ -28331,7 +28443,7 @@
           <p:cNvPr id="10" name="グラフ 9">
             <a:extLst>
               <a:ext uri="{FF2B5EF4-FFF2-40B4-BE49-F238E27FC236}">
-                <a16:creationId xmlns:a16="http://schemas.microsoft.com/office/drawing/2014/main" id="{47ED6007-6048-4F34-9B4D-8E8E540294D1}"/>
+                <a16:creationId xmlns:a16="http://schemas.microsoft.com/office/drawing/2014/main" xmlns="" id="{47ED6007-6048-4F34-9B4D-8E8E540294D1}"/>
               </a:ext>
             </a:extLst>
           </p:cNvPr>
@@ -28361,7 +28473,7 @@
           <p:cNvPr id="11" name="正方形/長方形 10">
             <a:extLst>
               <a:ext uri="{FF2B5EF4-FFF2-40B4-BE49-F238E27FC236}">
-                <a16:creationId xmlns:a16="http://schemas.microsoft.com/office/drawing/2014/main" id="{5E3442B0-272E-47E1-AE19-FA0851C672E0}"/>
+                <a16:creationId xmlns:a16="http://schemas.microsoft.com/office/drawing/2014/main" xmlns="" id="{5E3442B0-272E-47E1-AE19-FA0851C672E0}"/>
               </a:ext>
             </a:extLst>
           </p:cNvPr>
@@ -28438,7 +28550,7 @@
           <p:cNvPr id="12" name="グラフ 11">
             <a:extLst>
               <a:ext uri="{FF2B5EF4-FFF2-40B4-BE49-F238E27FC236}">
-                <a16:creationId xmlns:a16="http://schemas.microsoft.com/office/drawing/2014/main" id="{C3DD9323-A7A9-4F94-97CF-9DCD1F80381A}"/>
+                <a16:creationId xmlns:a16="http://schemas.microsoft.com/office/drawing/2014/main" xmlns="" id="{C3DD9323-A7A9-4F94-97CF-9DCD1F80381A}"/>
               </a:ext>
             </a:extLst>
           </p:cNvPr>
@@ -28468,7 +28580,7 @@
           <p:cNvPr id="13" name="正方形/長方形 12">
             <a:extLst>
               <a:ext uri="{FF2B5EF4-FFF2-40B4-BE49-F238E27FC236}">
-                <a16:creationId xmlns:a16="http://schemas.microsoft.com/office/drawing/2014/main" id="{1B443C70-330A-4DC1-8BB1-35E13442BC0A}"/>
+                <a16:creationId xmlns:a16="http://schemas.microsoft.com/office/drawing/2014/main" xmlns="" id="{1B443C70-330A-4DC1-8BB1-35E13442BC0A}"/>
               </a:ext>
             </a:extLst>
           </p:cNvPr>
@@ -28707,6 +28819,14 @@
               </a:rPr>
               <a:t>今回作るアプリ</a:t>
             </a:r>
+            <a:r>
+              <a:rPr lang="en-US" altLang="ja-JP" dirty="0">
+                <a:latin typeface="Meiryo UI" panose="020B0604030504040204" pitchFamily="50" charset="-128"/>
+                <a:ea typeface="Meiryo UI" panose="020B0604030504040204" pitchFamily="50" charset="-128"/>
+                <a:cs typeface="Microsoft Himalaya" panose="01010100010101010101" pitchFamily="2" charset="0"/>
+              </a:rPr>
+              <a:t/>
+            </a:r>
             <a:br>
               <a:rPr lang="en-US" altLang="ja-JP" dirty="0">
                 <a:latin typeface="Meiryo UI" panose="020B0604030504040204" pitchFamily="50" charset="-128"/>
@@ -28787,7 +28907,7 @@
           <p:cNvPr id="8" name="タイトル 7">
             <a:extLst>
               <a:ext uri="{FF2B5EF4-FFF2-40B4-BE49-F238E27FC236}">
-                <a16:creationId xmlns:a16="http://schemas.microsoft.com/office/drawing/2014/main" id="{1758AE3A-327E-48CE-ABB4-A6340802EF44}"/>
+                <a16:creationId xmlns:a16="http://schemas.microsoft.com/office/drawing/2014/main" xmlns="" id="{1758AE3A-327E-48CE-ABB4-A6340802EF44}"/>
               </a:ext>
             </a:extLst>
           </p:cNvPr>
@@ -28825,7 +28945,7 @@
           <p:cNvPr id="3" name="Rectangle 1">
             <a:extLst>
               <a:ext uri="{FF2B5EF4-FFF2-40B4-BE49-F238E27FC236}">
-                <a16:creationId xmlns:a16="http://schemas.microsoft.com/office/drawing/2014/main" id="{130E6BFC-BE3D-4DC5-99C4-4B103D64FA79}"/>
+                <a16:creationId xmlns:a16="http://schemas.microsoft.com/office/drawing/2014/main" xmlns="" id="{130E6BFC-BE3D-4DC5-99C4-4B103D64FA79}"/>
               </a:ext>
             </a:extLst>
           </p:cNvPr>
@@ -28901,6 +29021,19 @@
               <a:buNone/>
               <a:tabLst/>
             </a:pPr>
+            <a:r>
+              <a:rPr kumimoji="0" lang="ja-JP" altLang="ja-JP" sz="1800" b="0" i="0" u="none" strike="noStrike" cap="none" normalizeH="0" baseline="0">
+                <a:ln>
+                  <a:noFill/>
+                </a:ln>
+                <a:solidFill>
+                  <a:schemeClr val="tx1"/>
+                </a:solidFill>
+                <a:effectLst/>
+                <a:latin typeface="Arial" panose="020B0604020202020204" pitchFamily="34" charset="0"/>
+              </a:rPr>
+              <a:t/>
+            </a:r>
             <a:br>
               <a:rPr kumimoji="0" lang="ja-JP" altLang="ja-JP" sz="1800" b="0" i="0" u="none" strike="noStrike" cap="none" normalizeH="0" baseline="0">
                 <a:ln>
@@ -28931,7 +29064,7 @@
           <p:cNvPr id="6" name="正方形/長方形 5">
             <a:extLst>
               <a:ext uri="{FF2B5EF4-FFF2-40B4-BE49-F238E27FC236}">
-                <a16:creationId xmlns:a16="http://schemas.microsoft.com/office/drawing/2014/main" id="{FE4C25E0-1435-495C-9094-0D4AE2DDE3C0}"/>
+                <a16:creationId xmlns:a16="http://schemas.microsoft.com/office/drawing/2014/main" xmlns="" id="{FE4C25E0-1435-495C-9094-0D4AE2DDE3C0}"/>
               </a:ext>
             </a:extLst>
           </p:cNvPr>
@@ -28987,7 +29120,7 @@
           <p:cNvPr id="9" name="正方形/長方形 8">
             <a:extLst>
               <a:ext uri="{FF2B5EF4-FFF2-40B4-BE49-F238E27FC236}">
-                <a16:creationId xmlns:a16="http://schemas.microsoft.com/office/drawing/2014/main" id="{1F31C47D-D0A2-4A35-893E-87E8BD8C26CA}"/>
+                <a16:creationId xmlns:a16="http://schemas.microsoft.com/office/drawing/2014/main" xmlns="" id="{1F31C47D-D0A2-4A35-893E-87E8BD8C26CA}"/>
               </a:ext>
             </a:extLst>
           </p:cNvPr>
@@ -29024,7 +29157,7 @@
           <p:cNvPr id="7" name="正方形/長方形 6">
             <a:extLst>
               <a:ext uri="{FF2B5EF4-FFF2-40B4-BE49-F238E27FC236}">
-                <a16:creationId xmlns:a16="http://schemas.microsoft.com/office/drawing/2014/main" id="{8A28EDCF-6C94-4FFC-ADFC-4FEC9B7D0413}"/>
+                <a16:creationId xmlns:a16="http://schemas.microsoft.com/office/drawing/2014/main" xmlns="" id="{8A28EDCF-6C94-4FFC-ADFC-4FEC9B7D0413}"/>
               </a:ext>
             </a:extLst>
           </p:cNvPr>
@@ -29068,7 +29201,7 @@
           <p:cNvPr id="10" name="正方形/長方形 9">
             <a:extLst>
               <a:ext uri="{FF2B5EF4-FFF2-40B4-BE49-F238E27FC236}">
-                <a16:creationId xmlns:a16="http://schemas.microsoft.com/office/drawing/2014/main" id="{66310CED-3775-4C80-A06D-27D2AD7FB462}"/>
+                <a16:creationId xmlns:a16="http://schemas.microsoft.com/office/drawing/2014/main" xmlns="" id="{66310CED-3775-4C80-A06D-27D2AD7FB462}"/>
               </a:ext>
             </a:extLst>
           </p:cNvPr>
@@ -29218,7 +29351,7 @@
           <p:cNvPr id="8" name="タイトル 7">
             <a:extLst>
               <a:ext uri="{FF2B5EF4-FFF2-40B4-BE49-F238E27FC236}">
-                <a16:creationId xmlns:a16="http://schemas.microsoft.com/office/drawing/2014/main" id="{1758AE3A-327E-48CE-ABB4-A6340802EF44}"/>
+                <a16:creationId xmlns:a16="http://schemas.microsoft.com/office/drawing/2014/main" xmlns="" id="{1758AE3A-327E-48CE-ABB4-A6340802EF44}"/>
               </a:ext>
             </a:extLst>
           </p:cNvPr>
@@ -29256,7 +29389,7 @@
           <p:cNvPr id="3" name="Rectangle 1">
             <a:extLst>
               <a:ext uri="{FF2B5EF4-FFF2-40B4-BE49-F238E27FC236}">
-                <a16:creationId xmlns:a16="http://schemas.microsoft.com/office/drawing/2014/main" id="{130E6BFC-BE3D-4DC5-99C4-4B103D64FA79}"/>
+                <a16:creationId xmlns:a16="http://schemas.microsoft.com/office/drawing/2014/main" xmlns="" id="{130E6BFC-BE3D-4DC5-99C4-4B103D64FA79}"/>
               </a:ext>
             </a:extLst>
           </p:cNvPr>
@@ -29332,6 +29465,19 @@
               <a:buNone/>
               <a:tabLst/>
             </a:pPr>
+            <a:r>
+              <a:rPr kumimoji="0" lang="ja-JP" altLang="ja-JP" sz="1800" b="0" i="0" u="none" strike="noStrike" cap="none" normalizeH="0" baseline="0">
+                <a:ln>
+                  <a:noFill/>
+                </a:ln>
+                <a:solidFill>
+                  <a:schemeClr val="tx1"/>
+                </a:solidFill>
+                <a:effectLst/>
+                <a:latin typeface="Arial" panose="020B0604020202020204" pitchFamily="34" charset="0"/>
+              </a:rPr>
+              <a:t/>
+            </a:r>
             <a:br>
               <a:rPr kumimoji="0" lang="ja-JP" altLang="ja-JP" sz="1800" b="0" i="0" u="none" strike="noStrike" cap="none" normalizeH="0" baseline="0">
                 <a:ln>
@@ -29362,7 +29508,7 @@
           <p:cNvPr id="5" name="正方形/長方形 4">
             <a:extLst>
               <a:ext uri="{FF2B5EF4-FFF2-40B4-BE49-F238E27FC236}">
-                <a16:creationId xmlns:a16="http://schemas.microsoft.com/office/drawing/2014/main" id="{9BD7E382-16B6-4179-B7BC-EA81FA45C7B5}"/>
+                <a16:creationId xmlns:a16="http://schemas.microsoft.com/office/drawing/2014/main" xmlns="" id="{9BD7E382-16B6-4179-B7BC-EA81FA45C7B5}"/>
               </a:ext>
             </a:extLst>
           </p:cNvPr>
@@ -29497,7 +29643,7 @@
           <p:cNvPr id="9" name="正方形/長方形 8">
             <a:extLst>
               <a:ext uri="{FF2B5EF4-FFF2-40B4-BE49-F238E27FC236}">
-                <a16:creationId xmlns:a16="http://schemas.microsoft.com/office/drawing/2014/main" id="{D40F294D-5009-4D1E-8868-AC59BFB69AE3}"/>
+                <a16:creationId xmlns:a16="http://schemas.microsoft.com/office/drawing/2014/main" xmlns="" id="{D40F294D-5009-4D1E-8868-AC59BFB69AE3}"/>
               </a:ext>
             </a:extLst>
           </p:cNvPr>
@@ -29575,7 +29721,7 @@
           <p:cNvPr id="10" name="正方形/長方形 9">
             <a:extLst>
               <a:ext uri="{FF2B5EF4-FFF2-40B4-BE49-F238E27FC236}">
-                <a16:creationId xmlns:a16="http://schemas.microsoft.com/office/drawing/2014/main" id="{D40F294D-5009-4D1E-8868-AC59BFB69AE3}"/>
+                <a16:creationId xmlns:a16="http://schemas.microsoft.com/office/drawing/2014/main" xmlns="" id="{D40F294D-5009-4D1E-8868-AC59BFB69AE3}"/>
               </a:ext>
             </a:extLst>
           </p:cNvPr>
@@ -29654,7 +29800,7 @@
           <p:cNvPr id="15" name="Picture 2" descr="「動画 イラスト」の画像検索結果">
             <a:extLst>
               <a:ext uri="{FF2B5EF4-FFF2-40B4-BE49-F238E27FC236}">
-                <a16:creationId xmlns:a16="http://schemas.microsoft.com/office/drawing/2014/main" id="{1DF898DF-86B6-41B4-831B-769C36F9AB9B}"/>
+                <a16:creationId xmlns:a16="http://schemas.microsoft.com/office/drawing/2014/main" xmlns="" id="{1DF898DF-86B6-41B4-831B-769C36F9AB9B}"/>
               </a:ext>
             </a:extLst>
           </p:cNvPr>
@@ -29701,7 +29847,7 @@
           <p:cNvPr id="8" name="タイトル 7">
             <a:extLst>
               <a:ext uri="{FF2B5EF4-FFF2-40B4-BE49-F238E27FC236}">
-                <a16:creationId xmlns:a16="http://schemas.microsoft.com/office/drawing/2014/main" id="{1758AE3A-327E-48CE-ABB4-A6340802EF44}"/>
+                <a16:creationId xmlns:a16="http://schemas.microsoft.com/office/drawing/2014/main" xmlns="" id="{1758AE3A-327E-48CE-ABB4-A6340802EF44}"/>
               </a:ext>
             </a:extLst>
           </p:cNvPr>
@@ -29739,7 +29885,7 @@
           <p:cNvPr id="3" name="Rectangle 1">
             <a:extLst>
               <a:ext uri="{FF2B5EF4-FFF2-40B4-BE49-F238E27FC236}">
-                <a16:creationId xmlns:a16="http://schemas.microsoft.com/office/drawing/2014/main" id="{130E6BFC-BE3D-4DC5-99C4-4B103D64FA79}"/>
+                <a16:creationId xmlns:a16="http://schemas.microsoft.com/office/drawing/2014/main" xmlns="" id="{130E6BFC-BE3D-4DC5-99C4-4B103D64FA79}"/>
               </a:ext>
             </a:extLst>
           </p:cNvPr>
@@ -29815,6 +29961,19 @@
               <a:buNone/>
               <a:tabLst/>
             </a:pPr>
+            <a:r>
+              <a:rPr kumimoji="0" lang="ja-JP" altLang="ja-JP" sz="1800" b="0" i="0" u="none" strike="noStrike" cap="none" normalizeH="0" baseline="0">
+                <a:ln>
+                  <a:noFill/>
+                </a:ln>
+                <a:solidFill>
+                  <a:schemeClr val="tx1"/>
+                </a:solidFill>
+                <a:effectLst/>
+                <a:latin typeface="Arial" panose="020B0604020202020204" pitchFamily="34" charset="0"/>
+              </a:rPr>
+              <a:t/>
+            </a:r>
             <a:br>
               <a:rPr kumimoji="0" lang="ja-JP" altLang="ja-JP" sz="1800" b="0" i="0" u="none" strike="noStrike" cap="none" normalizeH="0" baseline="0">
                 <a:ln>
@@ -29845,7 +30004,7 @@
           <p:cNvPr id="9" name="正方形/長方形 8">
             <a:extLst>
               <a:ext uri="{FF2B5EF4-FFF2-40B4-BE49-F238E27FC236}">
-                <a16:creationId xmlns:a16="http://schemas.microsoft.com/office/drawing/2014/main" id="{D40F294D-5009-4D1E-8868-AC59BFB69AE3}"/>
+                <a16:creationId xmlns:a16="http://schemas.microsoft.com/office/drawing/2014/main" xmlns="" id="{D40F294D-5009-4D1E-8868-AC59BFB69AE3}"/>
               </a:ext>
             </a:extLst>
           </p:cNvPr>
@@ -29959,7 +30118,7 @@
           <p:cNvPr id="2" name="AutoShape 2" descr="関連画像">
             <a:extLst>
               <a:ext uri="{FF2B5EF4-FFF2-40B4-BE49-F238E27FC236}">
-                <a16:creationId xmlns:a16="http://schemas.microsoft.com/office/drawing/2014/main" id="{E48FE630-1BED-4E00-BA00-4AD6294C0A67}"/>
+                <a16:creationId xmlns:a16="http://schemas.microsoft.com/office/drawing/2014/main" xmlns="" id="{E48FE630-1BED-4E00-BA00-4AD6294C0A67}"/>
               </a:ext>
             </a:extLst>
           </p:cNvPr>
@@ -30004,7 +30163,7 @@
           <p:cNvPr id="4" name="AutoShape 4" descr="関連画像">
             <a:extLst>
               <a:ext uri="{FF2B5EF4-FFF2-40B4-BE49-F238E27FC236}">
-                <a16:creationId xmlns:a16="http://schemas.microsoft.com/office/drawing/2014/main" id="{F5B21808-87F3-45D8-A4D7-C0A8D0DF695A}"/>
+                <a16:creationId xmlns:a16="http://schemas.microsoft.com/office/drawing/2014/main" xmlns="" id="{F5B21808-87F3-45D8-A4D7-C0A8D0DF695A}"/>
               </a:ext>
             </a:extLst>
           </p:cNvPr>
@@ -30049,7 +30208,7 @@
           <p:cNvPr id="5" name="正方形/長方形 4">
             <a:extLst>
               <a:ext uri="{FF2B5EF4-FFF2-40B4-BE49-F238E27FC236}">
-                <a16:creationId xmlns:a16="http://schemas.microsoft.com/office/drawing/2014/main" id="{79C2A17A-86E6-4D73-A3DF-D65740AC48E2}"/>
+                <a16:creationId xmlns:a16="http://schemas.microsoft.com/office/drawing/2014/main" xmlns="" id="{79C2A17A-86E6-4D73-A3DF-D65740AC48E2}"/>
               </a:ext>
             </a:extLst>
           </p:cNvPr>
@@ -30103,7 +30262,7 @@
           <p:cNvPr id="12" name="正方形/長方形 11">
             <a:extLst>
               <a:ext uri="{FF2B5EF4-FFF2-40B4-BE49-F238E27FC236}">
-                <a16:creationId xmlns:a16="http://schemas.microsoft.com/office/drawing/2014/main" id="{02713606-A13E-49F0-BF5E-813D4BFC8F21}"/>
+                <a16:creationId xmlns:a16="http://schemas.microsoft.com/office/drawing/2014/main" xmlns="" id="{02713606-A13E-49F0-BF5E-813D4BFC8F21}"/>
               </a:ext>
             </a:extLst>
           </p:cNvPr>
@@ -30157,7 +30316,7 @@
           <p:cNvPr id="6" name="矢印: 右 5">
             <a:extLst>
               <a:ext uri="{FF2B5EF4-FFF2-40B4-BE49-F238E27FC236}">
-                <a16:creationId xmlns:a16="http://schemas.microsoft.com/office/drawing/2014/main" id="{C461919C-E91B-4DA8-81D0-C8A2C7CE73DA}"/>
+                <a16:creationId xmlns:a16="http://schemas.microsoft.com/office/drawing/2014/main" xmlns="" id="{C461919C-E91B-4DA8-81D0-C8A2C7CE73DA}"/>
               </a:ext>
             </a:extLst>
           </p:cNvPr>
@@ -30203,7 +30362,7 @@
           <p:cNvPr id="14" name="Picture 2" descr="「動画 イラスト」の画像検索結果">
             <a:extLst>
               <a:ext uri="{FF2B5EF4-FFF2-40B4-BE49-F238E27FC236}">
-                <a16:creationId xmlns:a16="http://schemas.microsoft.com/office/drawing/2014/main" id="{C0B02B3E-A93F-4C0C-9FB5-FC8C900581F8}"/>
+                <a16:creationId xmlns:a16="http://schemas.microsoft.com/office/drawing/2014/main" xmlns="" id="{C0B02B3E-A93F-4C0C-9FB5-FC8C900581F8}"/>
               </a:ext>
             </a:extLst>
           </p:cNvPr>
@@ -30292,7 +30451,7 @@
           <p:cNvPr id="23" name="Picture 2" descr="「動画 イラスト」の画像検索結果">
             <a:extLst>
               <a:ext uri="{FF2B5EF4-FFF2-40B4-BE49-F238E27FC236}">
-                <a16:creationId xmlns:a16="http://schemas.microsoft.com/office/drawing/2014/main" id="{D53F31AF-C574-4D8B-9C3A-201B76E0926A}"/>
+                <a16:creationId xmlns:a16="http://schemas.microsoft.com/office/drawing/2014/main" xmlns="" id="{D53F31AF-C574-4D8B-9C3A-201B76E0926A}"/>
               </a:ext>
             </a:extLst>
           </p:cNvPr>
@@ -30342,7 +30501,7 @@
           <p:cNvPr id="8" name="タイトル 7">
             <a:extLst>
               <a:ext uri="{FF2B5EF4-FFF2-40B4-BE49-F238E27FC236}">
-                <a16:creationId xmlns:a16="http://schemas.microsoft.com/office/drawing/2014/main" id="{1758AE3A-327E-48CE-ABB4-A6340802EF44}"/>
+                <a16:creationId xmlns:a16="http://schemas.microsoft.com/office/drawing/2014/main" xmlns="" id="{1758AE3A-327E-48CE-ABB4-A6340802EF44}"/>
               </a:ext>
             </a:extLst>
           </p:cNvPr>
@@ -30405,7 +30564,7 @@
           <p:cNvPr id="2" name="AutoShape 2" descr="関連画像">
             <a:extLst>
               <a:ext uri="{FF2B5EF4-FFF2-40B4-BE49-F238E27FC236}">
-                <a16:creationId xmlns:a16="http://schemas.microsoft.com/office/drawing/2014/main" id="{E48FE630-1BED-4E00-BA00-4AD6294C0A67}"/>
+                <a16:creationId xmlns:a16="http://schemas.microsoft.com/office/drawing/2014/main" xmlns="" id="{E48FE630-1BED-4E00-BA00-4AD6294C0A67}"/>
               </a:ext>
             </a:extLst>
           </p:cNvPr>
@@ -30450,7 +30609,7 @@
           <p:cNvPr id="4" name="AutoShape 4" descr="関連画像">
             <a:extLst>
               <a:ext uri="{FF2B5EF4-FFF2-40B4-BE49-F238E27FC236}">
-                <a16:creationId xmlns:a16="http://schemas.microsoft.com/office/drawing/2014/main" id="{F5B21808-87F3-45D8-A4D7-C0A8D0DF695A}"/>
+                <a16:creationId xmlns:a16="http://schemas.microsoft.com/office/drawing/2014/main" xmlns="" id="{F5B21808-87F3-45D8-A4D7-C0A8D0DF695A}"/>
               </a:ext>
             </a:extLst>
           </p:cNvPr>
@@ -30495,7 +30654,7 @@
           <p:cNvPr id="6" name="矢印: 右 5">
             <a:extLst>
               <a:ext uri="{FF2B5EF4-FFF2-40B4-BE49-F238E27FC236}">
-                <a16:creationId xmlns:a16="http://schemas.microsoft.com/office/drawing/2014/main" id="{C461919C-E91B-4DA8-81D0-C8A2C7CE73DA}"/>
+                <a16:creationId xmlns:a16="http://schemas.microsoft.com/office/drawing/2014/main" xmlns="" id="{C461919C-E91B-4DA8-81D0-C8A2C7CE73DA}"/>
               </a:ext>
             </a:extLst>
           </p:cNvPr>
@@ -30541,7 +30700,7 @@
           <p:cNvPr id="7" name="正方形/長方形 6">
             <a:extLst>
               <a:ext uri="{FF2B5EF4-FFF2-40B4-BE49-F238E27FC236}">
-                <a16:creationId xmlns:a16="http://schemas.microsoft.com/office/drawing/2014/main" id="{AC2C82F8-5EC4-45B8-B4B6-7FB095B0142F}"/>
+                <a16:creationId xmlns:a16="http://schemas.microsoft.com/office/drawing/2014/main" xmlns="" id="{AC2C82F8-5EC4-45B8-B4B6-7FB095B0142F}"/>
               </a:ext>
             </a:extLst>
           </p:cNvPr>
@@ -30598,7 +30757,7 @@
           <p:cNvPr id="10" name="フローチャート: 判断 9">
             <a:extLst>
               <a:ext uri="{FF2B5EF4-FFF2-40B4-BE49-F238E27FC236}">
-                <a16:creationId xmlns:a16="http://schemas.microsoft.com/office/drawing/2014/main" id="{222EF8C2-928A-4B72-933F-FC5C04C2C4B4}"/>
+                <a16:creationId xmlns:a16="http://schemas.microsoft.com/office/drawing/2014/main" xmlns="" id="{222EF8C2-928A-4B72-933F-FC5C04C2C4B4}"/>
               </a:ext>
             </a:extLst>
           </p:cNvPr>
@@ -30658,7 +30817,7 @@
           <p:cNvPr id="16" name="矢印: 右 15">
             <a:extLst>
               <a:ext uri="{FF2B5EF4-FFF2-40B4-BE49-F238E27FC236}">
-                <a16:creationId xmlns:a16="http://schemas.microsoft.com/office/drawing/2014/main" id="{0DA80C04-59A0-48C6-B980-5948B6EAF64A}"/>
+                <a16:creationId xmlns:a16="http://schemas.microsoft.com/office/drawing/2014/main" xmlns="" id="{0DA80C04-59A0-48C6-B980-5948B6EAF64A}"/>
               </a:ext>
             </a:extLst>
           </p:cNvPr>
@@ -30708,7 +30867,7 @@
           <p:cNvPr id="11" name="矢印: 下 10">
             <a:extLst>
               <a:ext uri="{FF2B5EF4-FFF2-40B4-BE49-F238E27FC236}">
-                <a16:creationId xmlns:a16="http://schemas.microsoft.com/office/drawing/2014/main" id="{1D2DD61E-3F38-4457-823B-874054F0D563}"/>
+                <a16:creationId xmlns:a16="http://schemas.microsoft.com/office/drawing/2014/main" xmlns="" id="{1D2DD61E-3F38-4457-823B-874054F0D563}"/>
               </a:ext>
             </a:extLst>
           </p:cNvPr>
@@ -30758,7 +30917,7 @@
           <p:cNvPr id="17" name="正方形/長方形 16">
             <a:extLst>
               <a:ext uri="{FF2B5EF4-FFF2-40B4-BE49-F238E27FC236}">
-                <a16:creationId xmlns:a16="http://schemas.microsoft.com/office/drawing/2014/main" id="{0F1A6C2A-20DF-4AB5-9672-CE426BF074F5}"/>
+                <a16:creationId xmlns:a16="http://schemas.microsoft.com/office/drawing/2014/main" xmlns="" id="{0F1A6C2A-20DF-4AB5-9672-CE426BF074F5}"/>
               </a:ext>
             </a:extLst>
           </p:cNvPr>
@@ -30815,7 +30974,7 @@
           <p:cNvPr id="19" name="正方形/長方形 18">
             <a:extLst>
               <a:ext uri="{FF2B5EF4-FFF2-40B4-BE49-F238E27FC236}">
-                <a16:creationId xmlns:a16="http://schemas.microsoft.com/office/drawing/2014/main" id="{84D0710B-25C4-4B24-B6E6-1C3EE0125053}"/>
+                <a16:creationId xmlns:a16="http://schemas.microsoft.com/office/drawing/2014/main" xmlns="" id="{84D0710B-25C4-4B24-B6E6-1C3EE0125053}"/>
               </a:ext>
             </a:extLst>
           </p:cNvPr>
@@ -30881,7 +31040,7 @@
           <p:cNvPr id="22" name="矢印: 右 21">
             <a:extLst>
               <a:ext uri="{FF2B5EF4-FFF2-40B4-BE49-F238E27FC236}">
-                <a16:creationId xmlns:a16="http://schemas.microsoft.com/office/drawing/2014/main" id="{0F0F194E-4DB9-4BBF-8D3F-D11A6F739502}"/>
+                <a16:creationId xmlns:a16="http://schemas.microsoft.com/office/drawing/2014/main" xmlns="" id="{0F0F194E-4DB9-4BBF-8D3F-D11A6F739502}"/>
               </a:ext>
             </a:extLst>
           </p:cNvPr>
@@ -30927,7 +31086,7 @@
           <p:cNvPr id="24" name="正方形/長方形 23">
             <a:extLst>
               <a:ext uri="{FF2B5EF4-FFF2-40B4-BE49-F238E27FC236}">
-                <a16:creationId xmlns:a16="http://schemas.microsoft.com/office/drawing/2014/main" id="{80EB4860-F185-4141-AC2A-AA016A717165}"/>
+                <a16:creationId xmlns:a16="http://schemas.microsoft.com/office/drawing/2014/main" xmlns="" id="{80EB4860-F185-4141-AC2A-AA016A717165}"/>
               </a:ext>
             </a:extLst>
           </p:cNvPr>
@@ -30981,7 +31140,7 @@
           <p:cNvPr id="25" name="正方形/長方形 24">
             <a:extLst>
               <a:ext uri="{FF2B5EF4-FFF2-40B4-BE49-F238E27FC236}">
-                <a16:creationId xmlns:a16="http://schemas.microsoft.com/office/drawing/2014/main" id="{D4E9E419-DED7-4822-BF38-D3BD37A55E5C}"/>
+                <a16:creationId xmlns:a16="http://schemas.microsoft.com/office/drawing/2014/main" xmlns="" id="{D4E9E419-DED7-4822-BF38-D3BD37A55E5C}"/>
               </a:ext>
             </a:extLst>
           </p:cNvPr>
@@ -31050,7 +31209,7 @@
           <p:cNvPr id="27" name="正方形/長方形 26">
             <a:extLst>
               <a:ext uri="{FF2B5EF4-FFF2-40B4-BE49-F238E27FC236}">
-                <a16:creationId xmlns:a16="http://schemas.microsoft.com/office/drawing/2014/main" id="{459A18D5-F79F-4DB1-BCB3-79B21CCB141A}"/>
+                <a16:creationId xmlns:a16="http://schemas.microsoft.com/office/drawing/2014/main" xmlns="" id="{459A18D5-F79F-4DB1-BCB3-79B21CCB141A}"/>
               </a:ext>
             </a:extLst>
           </p:cNvPr>
@@ -31123,7 +31282,7 @@
           <p:cNvPr id="28" name="正方形/長方形 27">
             <a:extLst>
               <a:ext uri="{FF2B5EF4-FFF2-40B4-BE49-F238E27FC236}">
-                <a16:creationId xmlns:a16="http://schemas.microsoft.com/office/drawing/2014/main" id="{1BDB8117-C6B1-4253-8F0F-F52B828360AE}"/>
+                <a16:creationId xmlns:a16="http://schemas.microsoft.com/office/drawing/2014/main" xmlns="" id="{1BDB8117-C6B1-4253-8F0F-F52B828360AE}"/>
               </a:ext>
             </a:extLst>
           </p:cNvPr>
@@ -31176,7 +31335,7 @@
           <p:cNvPr id="29" name="正方形/長方形 28">
             <a:extLst>
               <a:ext uri="{FF2B5EF4-FFF2-40B4-BE49-F238E27FC236}">
-                <a16:creationId xmlns:a16="http://schemas.microsoft.com/office/drawing/2014/main" id="{47B3296A-7D56-4320-A4D1-5B45AF0CA85A}"/>
+                <a16:creationId xmlns:a16="http://schemas.microsoft.com/office/drawing/2014/main" xmlns="" id="{47B3296A-7D56-4320-A4D1-5B45AF0CA85A}"/>
               </a:ext>
             </a:extLst>
           </p:cNvPr>
@@ -31233,7 +31392,7 @@
           <p:cNvPr id="30" name="矢印: 右 29">
             <a:extLst>
               <a:ext uri="{FF2B5EF4-FFF2-40B4-BE49-F238E27FC236}">
-                <a16:creationId xmlns:a16="http://schemas.microsoft.com/office/drawing/2014/main" id="{BC61860D-B531-4186-9688-CCF420E948F0}"/>
+                <a16:creationId xmlns:a16="http://schemas.microsoft.com/office/drawing/2014/main" xmlns="" id="{BC61860D-B531-4186-9688-CCF420E948F0}"/>
               </a:ext>
             </a:extLst>
           </p:cNvPr>
@@ -31279,7 +31438,7 @@
           <p:cNvPr id="31" name="矢印: 右 30">
             <a:extLst>
               <a:ext uri="{FF2B5EF4-FFF2-40B4-BE49-F238E27FC236}">
-                <a16:creationId xmlns:a16="http://schemas.microsoft.com/office/drawing/2014/main" id="{E40E0C02-7E4D-4639-BA3D-C2D3292BB078}"/>
+                <a16:creationId xmlns:a16="http://schemas.microsoft.com/office/drawing/2014/main" xmlns="" id="{E40E0C02-7E4D-4639-BA3D-C2D3292BB078}"/>
               </a:ext>
             </a:extLst>
           </p:cNvPr>
@@ -31325,7 +31484,7 @@
           <p:cNvPr id="32" name="矢印: 右 31">
             <a:extLst>
               <a:ext uri="{FF2B5EF4-FFF2-40B4-BE49-F238E27FC236}">
-                <a16:creationId xmlns:a16="http://schemas.microsoft.com/office/drawing/2014/main" id="{9B655FB3-488A-4E20-9C9C-020AF6168120}"/>
+                <a16:creationId xmlns:a16="http://schemas.microsoft.com/office/drawing/2014/main" xmlns="" id="{9B655FB3-488A-4E20-9C9C-020AF6168120}"/>
               </a:ext>
             </a:extLst>
           </p:cNvPr>
@@ -31371,7 +31530,7 @@
           <p:cNvPr id="33" name="正方形/長方形 32">
             <a:extLst>
               <a:ext uri="{FF2B5EF4-FFF2-40B4-BE49-F238E27FC236}">
-                <a16:creationId xmlns:a16="http://schemas.microsoft.com/office/drawing/2014/main" id="{642AD4F9-96C1-48B6-81B9-1ED16CC5CDDB}"/>
+                <a16:creationId xmlns:a16="http://schemas.microsoft.com/office/drawing/2014/main" xmlns="" id="{642AD4F9-96C1-48B6-81B9-1ED16CC5CDDB}"/>
               </a:ext>
             </a:extLst>
           </p:cNvPr>
@@ -31424,7 +31583,7 @@
           <p:cNvPr id="34" name="正方形/長方形 33">
             <a:extLst>
               <a:ext uri="{FF2B5EF4-FFF2-40B4-BE49-F238E27FC236}">
-                <a16:creationId xmlns:a16="http://schemas.microsoft.com/office/drawing/2014/main" id="{6FC8A1B6-BAAB-4398-B925-7230A9493549}"/>
+                <a16:creationId xmlns:a16="http://schemas.microsoft.com/office/drawing/2014/main" xmlns="" id="{6FC8A1B6-BAAB-4398-B925-7230A9493549}"/>
               </a:ext>
             </a:extLst>
           </p:cNvPr>
@@ -31477,7 +31636,7 @@
           <p:cNvPr id="35" name="矢印: 右 34">
             <a:extLst>
               <a:ext uri="{FF2B5EF4-FFF2-40B4-BE49-F238E27FC236}">
-                <a16:creationId xmlns:a16="http://schemas.microsoft.com/office/drawing/2014/main" id="{A4B4CB13-CCC5-42C4-8859-57CCCF11A08B}"/>
+                <a16:creationId xmlns:a16="http://schemas.microsoft.com/office/drawing/2014/main" xmlns="" id="{A4B4CB13-CCC5-42C4-8859-57CCCF11A08B}"/>
               </a:ext>
             </a:extLst>
           </p:cNvPr>
@@ -31523,7 +31682,7 @@
           <p:cNvPr id="36" name="矢印: 右 35">
             <a:extLst>
               <a:ext uri="{FF2B5EF4-FFF2-40B4-BE49-F238E27FC236}">
-                <a16:creationId xmlns:a16="http://schemas.microsoft.com/office/drawing/2014/main" id="{FE1EC5BF-6A21-4E29-B075-8B7CA23CB158}"/>
+                <a16:creationId xmlns:a16="http://schemas.microsoft.com/office/drawing/2014/main" xmlns="" id="{FE1EC5BF-6A21-4E29-B075-8B7CA23CB158}"/>
               </a:ext>
             </a:extLst>
           </p:cNvPr>
@@ -31569,7 +31728,7 @@
           <p:cNvPr id="37" name="矢印: 右 36">
             <a:extLst>
               <a:ext uri="{FF2B5EF4-FFF2-40B4-BE49-F238E27FC236}">
-                <a16:creationId xmlns:a16="http://schemas.microsoft.com/office/drawing/2014/main" id="{718BEC17-8E9F-4DE4-BD46-24D37B0FFBBC}"/>
+                <a16:creationId xmlns:a16="http://schemas.microsoft.com/office/drawing/2014/main" xmlns="" id="{718BEC17-8E9F-4DE4-BD46-24D37B0FFBBC}"/>
               </a:ext>
             </a:extLst>
           </p:cNvPr>
@@ -31615,7 +31774,7 @@
           <p:cNvPr id="38" name="正方形/長方形 37">
             <a:extLst>
               <a:ext uri="{FF2B5EF4-FFF2-40B4-BE49-F238E27FC236}">
-                <a16:creationId xmlns:a16="http://schemas.microsoft.com/office/drawing/2014/main" id="{A23BDA98-34F2-4FF1-96B8-BEFC49A0593B}"/>
+                <a16:creationId xmlns:a16="http://schemas.microsoft.com/office/drawing/2014/main" xmlns="" id="{A23BDA98-34F2-4FF1-96B8-BEFC49A0593B}"/>
               </a:ext>
             </a:extLst>
           </p:cNvPr>
@@ -31668,7 +31827,7 @@
           <p:cNvPr id="39" name="矢印: 右 38">
             <a:extLst>
               <a:ext uri="{FF2B5EF4-FFF2-40B4-BE49-F238E27FC236}">
-                <a16:creationId xmlns:a16="http://schemas.microsoft.com/office/drawing/2014/main" id="{E94AA270-4C97-4C52-81D3-5D28123F7668}"/>
+                <a16:creationId xmlns:a16="http://schemas.microsoft.com/office/drawing/2014/main" xmlns="" id="{E94AA270-4C97-4C52-81D3-5D28123F7668}"/>
               </a:ext>
             </a:extLst>
           </p:cNvPr>
@@ -31714,7 +31873,7 @@
           <p:cNvPr id="40" name="Picture 2" descr="「動画 イラスト」の画像検索結果">
             <a:extLst>
               <a:ext uri="{FF2B5EF4-FFF2-40B4-BE49-F238E27FC236}">
-                <a16:creationId xmlns:a16="http://schemas.microsoft.com/office/drawing/2014/main" id="{41E94C93-896A-4F6D-8696-F5F091426869}"/>
+                <a16:creationId xmlns:a16="http://schemas.microsoft.com/office/drawing/2014/main" xmlns="" id="{41E94C93-896A-4F6D-8696-F5F091426869}"/>
               </a:ext>
             </a:extLst>
           </p:cNvPr>
@@ -31764,7 +31923,7 @@
           <p:cNvPr id="47" name="AutoShape 10" descr="「動画 イラスト」の画像検索結果">
             <a:extLst>
               <a:ext uri="{FF2B5EF4-FFF2-40B4-BE49-F238E27FC236}">
-                <a16:creationId xmlns:a16="http://schemas.microsoft.com/office/drawing/2014/main" id="{B9AE74C2-1BA4-4FCC-922B-341C06692763}"/>
+                <a16:creationId xmlns:a16="http://schemas.microsoft.com/office/drawing/2014/main" xmlns="" id="{B9AE74C2-1BA4-4FCC-922B-341C06692763}"/>
               </a:ext>
             </a:extLst>
           </p:cNvPr>
@@ -31809,7 +31968,7 @@
           <p:cNvPr id="49" name="図 48">
             <a:extLst>
               <a:ext uri="{FF2B5EF4-FFF2-40B4-BE49-F238E27FC236}">
-                <a16:creationId xmlns:a16="http://schemas.microsoft.com/office/drawing/2014/main" id="{C7BFAFED-54FA-42A5-808A-06550F2E3A89}"/>
+                <a16:creationId xmlns:a16="http://schemas.microsoft.com/office/drawing/2014/main" xmlns="" id="{C7BFAFED-54FA-42A5-808A-06550F2E3A89}"/>
               </a:ext>
             </a:extLst>
           </p:cNvPr>
@@ -31850,7 +32009,7 @@
           <p:cNvPr id="51" name="正方形/長方形 50">
             <a:extLst>
               <a:ext uri="{FF2B5EF4-FFF2-40B4-BE49-F238E27FC236}">
-                <a16:creationId xmlns:a16="http://schemas.microsoft.com/office/drawing/2014/main" id="{9AFD13C6-0F41-4E46-96AC-8BFA6B5BF0CC}"/>
+                <a16:creationId xmlns:a16="http://schemas.microsoft.com/office/drawing/2014/main" xmlns="" id="{9AFD13C6-0F41-4E46-96AC-8BFA6B5BF0CC}"/>
               </a:ext>
             </a:extLst>
           </p:cNvPr>
@@ -32194,7 +32353,7 @@
           <p:cNvPr id="8" name="タイトル 7">
             <a:extLst>
               <a:ext uri="{FF2B5EF4-FFF2-40B4-BE49-F238E27FC236}">
-                <a16:creationId xmlns:a16="http://schemas.microsoft.com/office/drawing/2014/main" id="{1758AE3A-327E-48CE-ABB4-A6340802EF44}"/>
+                <a16:creationId xmlns:a16="http://schemas.microsoft.com/office/drawing/2014/main" xmlns="" id="{1758AE3A-327E-48CE-ABB4-A6340802EF44}"/>
               </a:ext>
             </a:extLst>
           </p:cNvPr>
@@ -32232,7 +32391,7 @@
           <p:cNvPr id="3" name="Rectangle 1">
             <a:extLst>
               <a:ext uri="{FF2B5EF4-FFF2-40B4-BE49-F238E27FC236}">
-                <a16:creationId xmlns:a16="http://schemas.microsoft.com/office/drawing/2014/main" id="{130E6BFC-BE3D-4DC5-99C4-4B103D64FA79}"/>
+                <a16:creationId xmlns:a16="http://schemas.microsoft.com/office/drawing/2014/main" xmlns="" id="{130E6BFC-BE3D-4DC5-99C4-4B103D64FA79}"/>
               </a:ext>
             </a:extLst>
           </p:cNvPr>
@@ -32308,6 +32467,19 @@
               <a:buNone/>
               <a:tabLst/>
             </a:pPr>
+            <a:r>
+              <a:rPr kumimoji="0" lang="ja-JP" altLang="ja-JP" sz="1800" b="0" i="0" u="none" strike="noStrike" cap="none" normalizeH="0" baseline="0">
+                <a:ln>
+                  <a:noFill/>
+                </a:ln>
+                <a:solidFill>
+                  <a:schemeClr val="tx1"/>
+                </a:solidFill>
+                <a:effectLst/>
+                <a:latin typeface="Arial" panose="020B0604020202020204" pitchFamily="34" charset="0"/>
+              </a:rPr>
+              <a:t/>
+            </a:r>
             <a:br>
               <a:rPr kumimoji="0" lang="ja-JP" altLang="ja-JP" sz="1800" b="0" i="0" u="none" strike="noStrike" cap="none" normalizeH="0" baseline="0">
                 <a:ln>
@@ -32369,7 +32541,7 @@
           <p:cNvPr id="4" name="正方形/長方形 3">
             <a:extLst>
               <a:ext uri="{FF2B5EF4-FFF2-40B4-BE49-F238E27FC236}">
-                <a16:creationId xmlns:a16="http://schemas.microsoft.com/office/drawing/2014/main" id="{6D7220F9-F5E7-4130-907F-E72D63E53E6D}"/>
+                <a16:creationId xmlns:a16="http://schemas.microsoft.com/office/drawing/2014/main" xmlns="" id="{6D7220F9-F5E7-4130-907F-E72D63E53E6D}"/>
               </a:ext>
             </a:extLst>
           </p:cNvPr>
@@ -32423,7 +32595,7 @@
           <p:cNvPr id="7" name="正方形/長方形 6">
             <a:extLst>
               <a:ext uri="{FF2B5EF4-FFF2-40B4-BE49-F238E27FC236}">
-                <a16:creationId xmlns:a16="http://schemas.microsoft.com/office/drawing/2014/main" id="{148E17C7-1D1A-4683-91F5-7337B83C3422}"/>
+                <a16:creationId xmlns:a16="http://schemas.microsoft.com/office/drawing/2014/main" xmlns="" id="{148E17C7-1D1A-4683-91F5-7337B83C3422}"/>
               </a:ext>
             </a:extLst>
           </p:cNvPr>
@@ -32466,7 +32638,7 @@
           <p:cNvPr id="11" name="フローチャート: 結合子 10">
             <a:extLst>
               <a:ext uri="{FF2B5EF4-FFF2-40B4-BE49-F238E27FC236}">
-                <a16:creationId xmlns:a16="http://schemas.microsoft.com/office/drawing/2014/main" id="{8271836E-4ABA-4803-9DDF-8EE46E461CF8}"/>
+                <a16:creationId xmlns:a16="http://schemas.microsoft.com/office/drawing/2014/main" xmlns="" id="{8271836E-4ABA-4803-9DDF-8EE46E461CF8}"/>
               </a:ext>
             </a:extLst>
           </p:cNvPr>
@@ -32512,7 +32684,7 @@
           <p:cNvPr id="12" name="フローチャート: 結合子 11">
             <a:extLst>
               <a:ext uri="{FF2B5EF4-FFF2-40B4-BE49-F238E27FC236}">
-                <a16:creationId xmlns:a16="http://schemas.microsoft.com/office/drawing/2014/main" id="{634CDA72-FCEA-4EBE-87D3-9760233C7114}"/>
+                <a16:creationId xmlns:a16="http://schemas.microsoft.com/office/drawing/2014/main" xmlns="" id="{634CDA72-FCEA-4EBE-87D3-9760233C7114}"/>
               </a:ext>
             </a:extLst>
           </p:cNvPr>
@@ -32558,7 +32730,7 @@
           <p:cNvPr id="13" name="正方形/長方形 12">
             <a:extLst>
               <a:ext uri="{FF2B5EF4-FFF2-40B4-BE49-F238E27FC236}">
-                <a16:creationId xmlns:a16="http://schemas.microsoft.com/office/drawing/2014/main" id="{2586609B-8EE2-457F-B59E-C3F8AD05693E}"/>
+                <a16:creationId xmlns:a16="http://schemas.microsoft.com/office/drawing/2014/main" xmlns="" id="{2586609B-8EE2-457F-B59E-C3F8AD05693E}"/>
               </a:ext>
             </a:extLst>
           </p:cNvPr>
@@ -32761,7 +32933,7 @@
           <p:cNvPr id="14" name="正方形/長方形 13">
             <a:extLst>
               <a:ext uri="{FF2B5EF4-FFF2-40B4-BE49-F238E27FC236}">
-                <a16:creationId xmlns:a16="http://schemas.microsoft.com/office/drawing/2014/main" id="{F727716E-722B-48B8-9520-132F37F1B67B}"/>
+                <a16:creationId xmlns:a16="http://schemas.microsoft.com/office/drawing/2014/main" xmlns="" id="{F727716E-722B-48B8-9520-132F37F1B67B}"/>
               </a:ext>
             </a:extLst>
           </p:cNvPr>
@@ -32804,7 +32976,7 @@
           <p:cNvPr id="16" name="正方形/長方形 15">
             <a:extLst>
               <a:ext uri="{FF2B5EF4-FFF2-40B4-BE49-F238E27FC236}">
-                <a16:creationId xmlns:a16="http://schemas.microsoft.com/office/drawing/2014/main" id="{1731338C-3A1A-4962-8CCD-973584AA9364}"/>
+                <a16:creationId xmlns:a16="http://schemas.microsoft.com/office/drawing/2014/main" xmlns="" id="{1731338C-3A1A-4962-8CCD-973584AA9364}"/>
               </a:ext>
             </a:extLst>
           </p:cNvPr>
@@ -32846,7 +33018,7 @@
           <p:cNvPr id="6" name="正方形/長方形 5">
             <a:extLst>
               <a:ext uri="{FF2B5EF4-FFF2-40B4-BE49-F238E27FC236}">
-                <a16:creationId xmlns:a16="http://schemas.microsoft.com/office/drawing/2014/main" id="{BCAC5929-E273-476B-A0C4-5700A231D3CA}"/>
+                <a16:creationId xmlns:a16="http://schemas.microsoft.com/office/drawing/2014/main" xmlns="" id="{BCAC5929-E273-476B-A0C4-5700A231D3CA}"/>
               </a:ext>
             </a:extLst>
           </p:cNvPr>
@@ -32883,7 +33055,7 @@
           <p:cNvPr id="17" name="正方形/長方形 16">
             <a:extLst>
               <a:ext uri="{FF2B5EF4-FFF2-40B4-BE49-F238E27FC236}">
-                <a16:creationId xmlns:a16="http://schemas.microsoft.com/office/drawing/2014/main" id="{5DC1B68C-25B2-4915-B690-5E70D6D25F36}"/>
+                <a16:creationId xmlns:a16="http://schemas.microsoft.com/office/drawing/2014/main" xmlns="" id="{5DC1B68C-25B2-4915-B690-5E70D6D25F36}"/>
               </a:ext>
             </a:extLst>
           </p:cNvPr>
@@ -32917,7 +33089,7 @@
           <p:cNvPr id="18" name="正方形/長方形 17">
             <a:extLst>
               <a:ext uri="{FF2B5EF4-FFF2-40B4-BE49-F238E27FC236}">
-                <a16:creationId xmlns:a16="http://schemas.microsoft.com/office/drawing/2014/main" id="{5BA45244-A691-45F4-950D-51B2C4F30521}"/>
+                <a16:creationId xmlns:a16="http://schemas.microsoft.com/office/drawing/2014/main" xmlns="" id="{5BA45244-A691-45F4-950D-51B2C4F30521}"/>
               </a:ext>
             </a:extLst>
           </p:cNvPr>
@@ -32952,7 +33124,7 @@
           <p:cNvPr id="19" name="正方形/長方形 18">
             <a:extLst>
               <a:ext uri="{FF2B5EF4-FFF2-40B4-BE49-F238E27FC236}">
-                <a16:creationId xmlns:a16="http://schemas.microsoft.com/office/drawing/2014/main" id="{F7DDE917-414F-43C2-8EC9-DCCD5D58978F}"/>
+                <a16:creationId xmlns:a16="http://schemas.microsoft.com/office/drawing/2014/main" xmlns="" id="{F7DDE917-414F-43C2-8EC9-DCCD5D58978F}"/>
               </a:ext>
             </a:extLst>
           </p:cNvPr>
@@ -33028,7 +33200,7 @@
           <p:cNvPr id="8" name="タイトル 7">
             <a:extLst>
               <a:ext uri="{FF2B5EF4-FFF2-40B4-BE49-F238E27FC236}">
-                <a16:creationId xmlns:a16="http://schemas.microsoft.com/office/drawing/2014/main" id="{1758AE3A-327E-48CE-ABB4-A6340802EF44}"/>
+                <a16:creationId xmlns:a16="http://schemas.microsoft.com/office/drawing/2014/main" xmlns="" id="{1758AE3A-327E-48CE-ABB4-A6340802EF44}"/>
               </a:ext>
             </a:extLst>
           </p:cNvPr>
@@ -33097,7 +33269,7 @@
           <p:cNvPr id="2" name="正方形/長方形 1">
             <a:extLst>
               <a:ext uri="{FF2B5EF4-FFF2-40B4-BE49-F238E27FC236}">
-                <a16:creationId xmlns:a16="http://schemas.microsoft.com/office/drawing/2014/main" id="{C821E9FD-1DBA-4AD4-8700-E329706820E8}"/>
+                <a16:creationId xmlns:a16="http://schemas.microsoft.com/office/drawing/2014/main" xmlns="" id="{C821E9FD-1DBA-4AD4-8700-E329706820E8}"/>
               </a:ext>
             </a:extLst>
           </p:cNvPr>
@@ -33107,7 +33279,7 @@
         <p:spPr>
           <a:xfrm>
             <a:off x="246913" y="1605552"/>
-            <a:ext cx="7577715" cy="1631216"/>
+            <a:ext cx="7967246" cy="1938992"/>
           </a:xfrm>
           <a:prstGeom prst="rect">
             <a:avLst/>
@@ -33178,10 +33350,34 @@
             <a:r>
               <a:rPr lang="en-US" altLang="ja-JP" sz="2000" dirty="0">
                 <a:solidFill>
-                  <a:schemeClr val="accent6"/>
+                  <a:srgbClr val="FF0000"/>
                 </a:solidFill>
               </a:rPr>
-              <a:t>“text”, </a:t>
+              <a:t>"</a:t>
+            </a:r>
+            <a:r>
+              <a:rPr lang="en-US" altLang="ja-JP" sz="2000" dirty="0" smtClean="0">
+                <a:solidFill>
+                  <a:srgbClr val="FF0000"/>
+                </a:solidFill>
+              </a:rPr>
+              <a:t>text</a:t>
+            </a:r>
+            <a:r>
+              <a:rPr lang="en-US" altLang="ja-JP" sz="2000" dirty="0">
+                <a:solidFill>
+                  <a:srgbClr val="FF0000"/>
+                </a:solidFill>
+              </a:rPr>
+              <a:t>"</a:t>
+            </a:r>
+            <a:r>
+              <a:rPr lang="en-US" altLang="ja-JP" sz="2000" dirty="0" smtClean="0">
+                <a:solidFill>
+                  <a:srgbClr val="FF0000"/>
+                </a:solidFill>
+              </a:rPr>
+              <a:t>, </a:t>
             </a:r>
             <a:r>
               <a:rPr lang="en-US" altLang="ja-JP" sz="2000" dirty="0">
@@ -33289,13 +33485,36 @@
               <a:t>	</a:t>
             </a:r>
             <a:r>
-              <a:rPr lang="ja-JP" altLang="en-US" sz="2000" dirty="0"/>
+              <a:rPr lang="en-US" altLang="ja-JP" sz="2000" dirty="0" smtClean="0"/>
+              <a:t>cv::</a:t>
+            </a:r>
+            <a:r>
+              <a:rPr lang="ja-JP" altLang="en-US" sz="2000" dirty="0" smtClean="0"/>
               <a:t>FONT_HERSHEY_SIMPLEX</a:t>
             </a:r>
             <a:r>
               <a:rPr lang="en-US" altLang="ja-JP" sz="2000" dirty="0"/>
-              <a:t>, 1.2, cv::Scalar(255, 0, 0));</a:t>
-            </a:r>
+              <a:t>, 1.2, cv::Scalar(255, 0, 0</a:t>
+            </a:r>
+            <a:r>
+              <a:rPr lang="en-US" altLang="ja-JP" sz="2000" dirty="0" smtClean="0"/>
+              <a:t>),</a:t>
+            </a:r>
+          </a:p>
+          <a:p>
+            <a:r>
+              <a:rPr lang="en-US" altLang="ja-JP" sz="2000" dirty="0"/>
+              <a:t>	</a:t>
+            </a:r>
+            <a:r>
+              <a:rPr lang="en-US" altLang="ja-JP" sz="2000" dirty="0" smtClean="0"/>
+              <a:t>2, CV_AA</a:t>
+            </a:r>
+            <a:r>
+              <a:rPr lang="en-US" altLang="ja-JP" sz="2000" dirty="0" smtClean="0"/>
+              <a:t>);</a:t>
+            </a:r>
+            <a:endParaRPr lang="en-US" altLang="ja-JP" sz="2000" dirty="0"/>
           </a:p>
         </p:txBody>
       </p:sp>
@@ -33304,7 +33523,7 @@
           <p:cNvPr id="3" name="正方形/長方形 2">
             <a:extLst>
               <a:ext uri="{FF2B5EF4-FFF2-40B4-BE49-F238E27FC236}">
-                <a16:creationId xmlns:a16="http://schemas.microsoft.com/office/drawing/2014/main" id="{CABCA04C-26AB-4F9E-A197-E5434C019E6E}"/>
+                <a16:creationId xmlns:a16="http://schemas.microsoft.com/office/drawing/2014/main" xmlns="" id="{CABCA04C-26AB-4F9E-A197-E5434C019E6E}"/>
               </a:ext>
             </a:extLst>
           </p:cNvPr>
@@ -33365,7 +33584,7 @@
           <p:cNvPr id="10" name="正方形/長方形 9">
             <a:extLst>
               <a:ext uri="{FF2B5EF4-FFF2-40B4-BE49-F238E27FC236}">
-                <a16:creationId xmlns:a16="http://schemas.microsoft.com/office/drawing/2014/main" id="{4DCC8C55-159C-45A2-88AC-ECA8D08A8E48}"/>
+                <a16:creationId xmlns:a16="http://schemas.microsoft.com/office/drawing/2014/main" xmlns="" id="{4DCC8C55-159C-45A2-88AC-ECA8D08A8E48}"/>
               </a:ext>
             </a:extLst>
           </p:cNvPr>
@@ -33408,7 +33627,7 @@
           <p:cNvPr id="11" name="フローチャート: 結合子 10">
             <a:extLst>
               <a:ext uri="{FF2B5EF4-FFF2-40B4-BE49-F238E27FC236}">
-                <a16:creationId xmlns:a16="http://schemas.microsoft.com/office/drawing/2014/main" id="{64D92765-DFF5-434B-B37B-9FB90E863AB7}"/>
+                <a16:creationId xmlns:a16="http://schemas.microsoft.com/office/drawing/2014/main" xmlns="" id="{64D92765-DFF5-434B-B37B-9FB90E863AB7}"/>
               </a:ext>
             </a:extLst>
           </p:cNvPr>
@@ -33454,7 +33673,7 @@
           <p:cNvPr id="6" name="正方形/長方形 5">
             <a:extLst>
               <a:ext uri="{FF2B5EF4-FFF2-40B4-BE49-F238E27FC236}">
-                <a16:creationId xmlns:a16="http://schemas.microsoft.com/office/drawing/2014/main" id="{B0E31578-4C74-47E8-8A1B-650F8D7210FF}"/>
+                <a16:creationId xmlns:a16="http://schemas.microsoft.com/office/drawing/2014/main" xmlns="" id="{B0E31578-4C74-47E8-8A1B-650F8D7210FF}"/>
               </a:ext>
             </a:extLst>
           </p:cNvPr>
@@ -33496,7 +33715,7 @@
           <p:cNvPr id="5" name="正方形/長方形 4">
             <a:extLst>
               <a:ext uri="{FF2B5EF4-FFF2-40B4-BE49-F238E27FC236}">
-                <a16:creationId xmlns:a16="http://schemas.microsoft.com/office/drawing/2014/main" id="{3A9D7DD3-B9A1-4CC7-BA9F-C69B4B9A7DDA}"/>
+                <a16:creationId xmlns:a16="http://schemas.microsoft.com/office/drawing/2014/main" xmlns="" id="{3A9D7DD3-B9A1-4CC7-BA9F-C69B4B9A7DDA}"/>
               </a:ext>
             </a:extLst>
           </p:cNvPr>
@@ -33530,7 +33749,7 @@
           <p:cNvPr id="7" name="正方形/長方形 6">
             <a:extLst>
               <a:ext uri="{FF2B5EF4-FFF2-40B4-BE49-F238E27FC236}">
-                <a16:creationId xmlns:a16="http://schemas.microsoft.com/office/drawing/2014/main" id="{456239BA-F0D4-42FC-B923-D2D1E64D4B54}"/>
+                <a16:creationId xmlns:a16="http://schemas.microsoft.com/office/drawing/2014/main" xmlns="" id="{456239BA-F0D4-42FC-B923-D2D1E64D4B54}"/>
               </a:ext>
             </a:extLst>
           </p:cNvPr>
@@ -33567,7 +33786,7 @@
           <p:cNvPr id="12" name="正方形/長方形 11">
             <a:extLst>
               <a:ext uri="{FF2B5EF4-FFF2-40B4-BE49-F238E27FC236}">
-                <a16:creationId xmlns:a16="http://schemas.microsoft.com/office/drawing/2014/main" id="{A1299E63-748F-47CB-89C7-774A67FCE160}"/>
+                <a16:creationId xmlns:a16="http://schemas.microsoft.com/office/drawing/2014/main" xmlns="" id="{A1299E63-748F-47CB-89C7-774A67FCE160}"/>
               </a:ext>
             </a:extLst>
           </p:cNvPr>
@@ -33602,7 +33821,7 @@
           <p:cNvPr id="9" name="正方形/長方形 8">
             <a:extLst>
               <a:ext uri="{FF2B5EF4-FFF2-40B4-BE49-F238E27FC236}">
-                <a16:creationId xmlns:a16="http://schemas.microsoft.com/office/drawing/2014/main" id="{76377023-F9B8-4592-974B-8B8D9C0C0AD7}"/>
+                <a16:creationId xmlns:a16="http://schemas.microsoft.com/office/drawing/2014/main" xmlns="" id="{76377023-F9B8-4592-974B-8B8D9C0C0AD7}"/>
               </a:ext>
             </a:extLst>
           </p:cNvPr>
@@ -33754,7 +33973,7 @@
           <p:cNvPr id="8" name="タイトル 7">
             <a:extLst>
               <a:ext uri="{FF2B5EF4-FFF2-40B4-BE49-F238E27FC236}">
-                <a16:creationId xmlns:a16="http://schemas.microsoft.com/office/drawing/2014/main" id="{1758AE3A-327E-48CE-ABB4-A6340802EF44}"/>
+                <a16:creationId xmlns:a16="http://schemas.microsoft.com/office/drawing/2014/main" xmlns="" id="{1758AE3A-327E-48CE-ABB4-A6340802EF44}"/>
               </a:ext>
             </a:extLst>
           </p:cNvPr>
@@ -33906,7 +34125,7 @@
           <p:cNvPr id="1030" name="Picture 6" descr="「二度付け禁止 イラストや」の画像検索結果">
             <a:extLst>
               <a:ext uri="{FF2B5EF4-FFF2-40B4-BE49-F238E27FC236}">
-                <a16:creationId xmlns:a16="http://schemas.microsoft.com/office/drawing/2014/main" id="{63EC55C1-C559-47D7-A790-C2CB6B1A6E6A}"/>
+                <a16:creationId xmlns:a16="http://schemas.microsoft.com/office/drawing/2014/main" xmlns="" id="{63EC55C1-C559-47D7-A790-C2CB6B1A6E6A}"/>
               </a:ext>
             </a:extLst>
           </p:cNvPr>
@@ -34133,7 +34352,7 @@
           <p:cNvPr id="7" name="正方形/長方形 6">
             <a:extLst>
               <a:ext uri="{FF2B5EF4-FFF2-40B4-BE49-F238E27FC236}">
-                <a16:creationId xmlns:a16="http://schemas.microsoft.com/office/drawing/2014/main" id="{9E0D34F1-5026-4A68-8181-A34C500D1A8E}"/>
+                <a16:creationId xmlns:a16="http://schemas.microsoft.com/office/drawing/2014/main" xmlns="" id="{9E0D34F1-5026-4A68-8181-A34C500D1A8E}"/>
               </a:ext>
             </a:extLst>
           </p:cNvPr>
@@ -34218,7 +34437,7 @@
           <p:cNvPr id="8" name="正方形/長方形 7">
             <a:extLst>
               <a:ext uri="{FF2B5EF4-FFF2-40B4-BE49-F238E27FC236}">
-                <a16:creationId xmlns:a16="http://schemas.microsoft.com/office/drawing/2014/main" id="{E2B682A0-7D43-4545-A03E-8EE61D80A33E}"/>
+                <a16:creationId xmlns:a16="http://schemas.microsoft.com/office/drawing/2014/main" xmlns="" id="{E2B682A0-7D43-4545-A03E-8EE61D80A33E}"/>
               </a:ext>
             </a:extLst>
           </p:cNvPr>
@@ -34253,7 +34472,7 @@
           <p:cNvPr id="9" name="正方形/長方形 8">
             <a:extLst>
               <a:ext uri="{FF2B5EF4-FFF2-40B4-BE49-F238E27FC236}">
-                <a16:creationId xmlns:a16="http://schemas.microsoft.com/office/drawing/2014/main" id="{40440598-6BE0-414C-ABB7-DBD6233D37C2}"/>
+                <a16:creationId xmlns:a16="http://schemas.microsoft.com/office/drawing/2014/main" xmlns="" id="{40440598-6BE0-414C-ABB7-DBD6233D37C2}"/>
               </a:ext>
             </a:extLst>
           </p:cNvPr>
@@ -34551,7 +34770,7 @@
           <p:cNvPr id="3" name="正方形/長方形 2">
             <a:extLst>
               <a:ext uri="{FF2B5EF4-FFF2-40B4-BE49-F238E27FC236}">
-                <a16:creationId xmlns:a16="http://schemas.microsoft.com/office/drawing/2014/main" id="{DB6D87FA-7D42-44F0-8F49-FC9E99B31AA3}"/>
+                <a16:creationId xmlns:a16="http://schemas.microsoft.com/office/drawing/2014/main" xmlns="" id="{DB6D87FA-7D42-44F0-8F49-FC9E99B31AA3}"/>
               </a:ext>
             </a:extLst>
           </p:cNvPr>
@@ -34591,7 +34810,7 @@
           <p:cNvPr id="8" name="正方形/長方形 7">
             <a:extLst>
               <a:ext uri="{FF2B5EF4-FFF2-40B4-BE49-F238E27FC236}">
-                <a16:creationId xmlns:a16="http://schemas.microsoft.com/office/drawing/2014/main" id="{686C2A25-2602-4F5C-BD6A-C6797B9C7CE8}"/>
+                <a16:creationId xmlns:a16="http://schemas.microsoft.com/office/drawing/2014/main" xmlns="" id="{686C2A25-2602-4F5C-BD6A-C6797B9C7CE8}"/>
               </a:ext>
             </a:extLst>
           </p:cNvPr>
@@ -34633,7 +34852,7 @@
           <p:cNvPr id="12" name="正方形/長方形 11">
             <a:extLst>
               <a:ext uri="{FF2B5EF4-FFF2-40B4-BE49-F238E27FC236}">
-                <a16:creationId xmlns:a16="http://schemas.microsoft.com/office/drawing/2014/main" id="{6B101E1C-C80B-4BE7-ADA2-28B5A008484F}"/>
+                <a16:creationId xmlns:a16="http://schemas.microsoft.com/office/drawing/2014/main" xmlns="" id="{6B101E1C-C80B-4BE7-ADA2-28B5A008484F}"/>
               </a:ext>
             </a:extLst>
           </p:cNvPr>
@@ -34711,7 +34930,7 @@
           <p:cNvPr id="11" name="オブジェクト 10">
             <a:extLst>
               <a:ext uri="{FF2B5EF4-FFF2-40B4-BE49-F238E27FC236}">
-                <a16:creationId xmlns:a16="http://schemas.microsoft.com/office/drawing/2014/main" id="{38278D6C-9E5B-41A5-8946-7519A43A65C0}"/>
+                <a16:creationId xmlns:a16="http://schemas.microsoft.com/office/drawing/2014/main" xmlns="" id="{38278D6C-9E5B-41A5-8946-7519A43A65C0}"/>
               </a:ext>
             </a:extLst>
           </p:cNvPr>
@@ -34734,7 +34953,7 @@
           <a:graphicData uri="http://schemas.openxmlformats.org/presentationml/2006/ole">
             <mc:AlternateContent xmlns:mc="http://schemas.openxmlformats.org/markup-compatibility/2006">
               <mc:Choice xmlns:v="urn:schemas-microsoft-com:vml" Requires="v">
-                <p:oleObj spid="_x0000_s1067" name="パッケージャー シェル オブジェクト" showAsIcon="1" r:id="rId6" imgW="1408680" imgH="437760" progId="Package">
+                <p:oleObj spid="_x0000_s1076" name="パッケージャー シェル オブジェクト" showAsIcon="1" r:id="rId6" imgW="1408680" imgH="437760" progId="Package">
                   <p:embed/>
                 </p:oleObj>
               </mc:Choice>
@@ -34774,7 +34993,7 @@
           <p:cNvPr id="10" name="図 9">
             <a:extLst>
               <a:ext uri="{FF2B5EF4-FFF2-40B4-BE49-F238E27FC236}">
-                <a16:creationId xmlns:a16="http://schemas.microsoft.com/office/drawing/2014/main" id="{992C5024-16E5-41B8-A536-AE7EB74DE54E}"/>
+                <a16:creationId xmlns:a16="http://schemas.microsoft.com/office/drawing/2014/main" xmlns="" id="{992C5024-16E5-41B8-A536-AE7EB74DE54E}"/>
               </a:ext>
             </a:extLst>
           </p:cNvPr>
@@ -34846,7 +35065,7 @@
           <p:cNvPr id="8" name="タイトル 7">
             <a:extLst>
               <a:ext uri="{FF2B5EF4-FFF2-40B4-BE49-F238E27FC236}">
-                <a16:creationId xmlns:a16="http://schemas.microsoft.com/office/drawing/2014/main" id="{1758AE3A-327E-48CE-ABB4-A6340802EF44}"/>
+                <a16:creationId xmlns:a16="http://schemas.microsoft.com/office/drawing/2014/main" xmlns="" id="{1758AE3A-327E-48CE-ABB4-A6340802EF44}"/>
               </a:ext>
             </a:extLst>
           </p:cNvPr>
@@ -34891,7 +35110,7 @@
           <p:cNvPr id="5" name="正方形/長方形 4">
             <a:extLst>
               <a:ext uri="{FF2B5EF4-FFF2-40B4-BE49-F238E27FC236}">
-                <a16:creationId xmlns:a16="http://schemas.microsoft.com/office/drawing/2014/main" id="{1326982D-B8F2-4BCB-BFC9-9A5E8DDFFD87}"/>
+                <a16:creationId xmlns:a16="http://schemas.microsoft.com/office/drawing/2014/main" xmlns="" id="{1326982D-B8F2-4BCB-BFC9-9A5E8DDFFD87}"/>
               </a:ext>
             </a:extLst>
           </p:cNvPr>
@@ -34928,7 +35147,7 @@
           <p:cNvPr id="11" name="正方形/長方形 10">
             <a:extLst>
               <a:ext uri="{FF2B5EF4-FFF2-40B4-BE49-F238E27FC236}">
-                <a16:creationId xmlns:a16="http://schemas.microsoft.com/office/drawing/2014/main" id="{1763E695-3C95-4198-9AB0-0E4A412D3A45}"/>
+                <a16:creationId xmlns:a16="http://schemas.microsoft.com/office/drawing/2014/main" xmlns="" id="{1763E695-3C95-4198-9AB0-0E4A412D3A45}"/>
               </a:ext>
             </a:extLst>
           </p:cNvPr>
@@ -34990,7 +35209,7 @@
           <p:cNvPr id="6" name="正方形/長方形 5">
             <a:extLst>
               <a:ext uri="{FF2B5EF4-FFF2-40B4-BE49-F238E27FC236}">
-                <a16:creationId xmlns:a16="http://schemas.microsoft.com/office/drawing/2014/main" id="{422B4C75-A91D-49A1-A476-14A1B3730C0B}"/>
+                <a16:creationId xmlns:a16="http://schemas.microsoft.com/office/drawing/2014/main" xmlns="" id="{422B4C75-A91D-49A1-A476-14A1B3730C0B}"/>
               </a:ext>
             </a:extLst>
           </p:cNvPr>
@@ -35027,7 +35246,7 @@
           <p:cNvPr id="13" name="正方形/長方形 12">
             <a:extLst>
               <a:ext uri="{FF2B5EF4-FFF2-40B4-BE49-F238E27FC236}">
-                <a16:creationId xmlns:a16="http://schemas.microsoft.com/office/drawing/2014/main" id="{910FBAB7-3EED-41B4-BB54-D2F52D6F8F1D}"/>
+                <a16:creationId xmlns:a16="http://schemas.microsoft.com/office/drawing/2014/main" xmlns="" id="{910FBAB7-3EED-41B4-BB54-D2F52D6F8F1D}"/>
               </a:ext>
             </a:extLst>
           </p:cNvPr>
@@ -35071,7 +35290,7 @@
           <p:cNvPr id="7" name="正方形/長方形 6">
             <a:extLst>
               <a:ext uri="{FF2B5EF4-FFF2-40B4-BE49-F238E27FC236}">
-                <a16:creationId xmlns:a16="http://schemas.microsoft.com/office/drawing/2014/main" id="{6EFBAD6C-CD21-4B45-98B3-F425CE961497}"/>
+                <a16:creationId xmlns:a16="http://schemas.microsoft.com/office/drawing/2014/main" xmlns="" id="{6EFBAD6C-CD21-4B45-98B3-F425CE961497}"/>
               </a:ext>
             </a:extLst>
           </p:cNvPr>
@@ -35115,7 +35334,7 @@
           <p:cNvPr id="9" name="正方形/長方形 8">
             <a:extLst>
               <a:ext uri="{FF2B5EF4-FFF2-40B4-BE49-F238E27FC236}">
-                <a16:creationId xmlns:a16="http://schemas.microsoft.com/office/drawing/2014/main" id="{66341EF4-4C6F-484B-B564-FC9AE9A00FE9}"/>
+                <a16:creationId xmlns:a16="http://schemas.microsoft.com/office/drawing/2014/main" xmlns="" id="{66341EF4-4C6F-484B-B564-FC9AE9A00FE9}"/>
               </a:ext>
             </a:extLst>
           </p:cNvPr>
@@ -35194,7 +35413,7 @@
           <p:cNvPr id="8" name="タイトル 7">
             <a:extLst>
               <a:ext uri="{FF2B5EF4-FFF2-40B4-BE49-F238E27FC236}">
-                <a16:creationId xmlns:a16="http://schemas.microsoft.com/office/drawing/2014/main" id="{1758AE3A-327E-48CE-ABB4-A6340802EF44}"/>
+                <a16:creationId xmlns:a16="http://schemas.microsoft.com/office/drawing/2014/main" xmlns="" id="{1758AE3A-327E-48CE-ABB4-A6340802EF44}"/>
               </a:ext>
             </a:extLst>
           </p:cNvPr>
@@ -35245,7 +35464,7 @@
           <p:cNvPr id="3" name="Rectangle 1">
             <a:extLst>
               <a:ext uri="{FF2B5EF4-FFF2-40B4-BE49-F238E27FC236}">
-                <a16:creationId xmlns:a16="http://schemas.microsoft.com/office/drawing/2014/main" id="{130E6BFC-BE3D-4DC5-99C4-4B103D64FA79}"/>
+                <a16:creationId xmlns:a16="http://schemas.microsoft.com/office/drawing/2014/main" xmlns="" id="{130E6BFC-BE3D-4DC5-99C4-4B103D64FA79}"/>
               </a:ext>
             </a:extLst>
           </p:cNvPr>
@@ -35413,7 +35632,7 @@
           <p:cNvPr id="2" name="正方形/長方形 1">
             <a:extLst>
               <a:ext uri="{FF2B5EF4-FFF2-40B4-BE49-F238E27FC236}">
-                <a16:creationId xmlns:a16="http://schemas.microsoft.com/office/drawing/2014/main" id="{0ABDAFB3-9568-4B1F-916B-629C7037CF53}"/>
+                <a16:creationId xmlns:a16="http://schemas.microsoft.com/office/drawing/2014/main" xmlns="" id="{0ABDAFB3-9568-4B1F-916B-629C7037CF53}"/>
               </a:ext>
             </a:extLst>
           </p:cNvPr>
@@ -35444,7 +35663,7 @@
           <p:cNvPr id="6" name="Rectangle 1">
             <a:extLst>
               <a:ext uri="{FF2B5EF4-FFF2-40B4-BE49-F238E27FC236}">
-                <a16:creationId xmlns:a16="http://schemas.microsoft.com/office/drawing/2014/main" id="{CDEBDB23-8734-420C-BE86-0A9CFDD9ADB2}"/>
+                <a16:creationId xmlns:a16="http://schemas.microsoft.com/office/drawing/2014/main" xmlns="" id="{CDEBDB23-8734-420C-BE86-0A9CFDD9ADB2}"/>
               </a:ext>
             </a:extLst>
           </p:cNvPr>
@@ -35601,6 +35820,12 @@
               </a:rPr>
               <a:t>分類するのが特徴</a:t>
             </a:r>
+            <a:r>
+              <a:rPr lang="en-US" altLang="ja-JP" sz="2800" dirty="0">
+                <a:latin typeface="Arial" panose="020B0604020202020204" pitchFamily="34" charset="0"/>
+              </a:rPr>
+              <a:t/>
+            </a:r>
             <a:br>
               <a:rPr lang="en-US" altLang="ja-JP" sz="2800" dirty="0">
                 <a:latin typeface="Arial" panose="020B0604020202020204" pitchFamily="34" charset="0"/>
@@ -35651,7 +35876,7 @@
           <p:cNvPr id="5" name="正方形/長方形 4">
             <a:extLst>
               <a:ext uri="{FF2B5EF4-FFF2-40B4-BE49-F238E27FC236}">
-                <a16:creationId xmlns:a16="http://schemas.microsoft.com/office/drawing/2014/main" id="{63178AC3-3710-48BC-A714-BCEF1D6D0F88}"/>
+                <a16:creationId xmlns:a16="http://schemas.microsoft.com/office/drawing/2014/main" xmlns="" id="{63178AC3-3710-48BC-A714-BCEF1D6D0F88}"/>
               </a:ext>
             </a:extLst>
           </p:cNvPr>
@@ -35685,7 +35910,7 @@
           <p:cNvPr id="7" name="正方形/長方形 6">
             <a:extLst>
               <a:ext uri="{FF2B5EF4-FFF2-40B4-BE49-F238E27FC236}">
-                <a16:creationId xmlns:a16="http://schemas.microsoft.com/office/drawing/2014/main" id="{8F8EA75D-1B33-4629-9B7F-A90BDDC96824}"/>
+                <a16:creationId xmlns:a16="http://schemas.microsoft.com/office/drawing/2014/main" xmlns="" id="{8F8EA75D-1B33-4629-9B7F-A90BDDC96824}"/>
               </a:ext>
             </a:extLst>
           </p:cNvPr>
@@ -35722,7 +35947,7 @@
           <p:cNvPr id="9" name="図 8">
             <a:extLst>
               <a:ext uri="{FF2B5EF4-FFF2-40B4-BE49-F238E27FC236}">
-                <a16:creationId xmlns:a16="http://schemas.microsoft.com/office/drawing/2014/main" id="{9A7E2398-5063-4450-A9F2-64CCB584A986}"/>
+                <a16:creationId xmlns:a16="http://schemas.microsoft.com/office/drawing/2014/main" xmlns="" id="{9A7E2398-5063-4450-A9F2-64CCB584A986}"/>
               </a:ext>
             </a:extLst>
           </p:cNvPr>
@@ -35794,7 +36019,7 @@
           <p:cNvPr id="10" name="Picture 4" descr="TensorFlow Object detection API">
             <a:extLst>
               <a:ext uri="{FF2B5EF4-FFF2-40B4-BE49-F238E27FC236}">
-                <a16:creationId xmlns:a16="http://schemas.microsoft.com/office/drawing/2014/main" id="{5685E0E9-00E4-4BAC-BDB0-A11A761C15E5}"/>
+                <a16:creationId xmlns:a16="http://schemas.microsoft.com/office/drawing/2014/main" xmlns="" id="{5685E0E9-00E4-4BAC-BDB0-A11A761C15E5}"/>
               </a:ext>
             </a:extLst>
           </p:cNvPr>
@@ -35841,7 +36066,7 @@
           <p:cNvPr id="8" name="タイトル 7">
             <a:extLst>
               <a:ext uri="{FF2B5EF4-FFF2-40B4-BE49-F238E27FC236}">
-                <a16:creationId xmlns:a16="http://schemas.microsoft.com/office/drawing/2014/main" id="{1758AE3A-327E-48CE-ABB4-A6340802EF44}"/>
+                <a16:creationId xmlns:a16="http://schemas.microsoft.com/office/drawing/2014/main" xmlns="" id="{1758AE3A-327E-48CE-ABB4-A6340802EF44}"/>
               </a:ext>
             </a:extLst>
           </p:cNvPr>
@@ -35879,7 +36104,7 @@
           <p:cNvPr id="3" name="Rectangle 1">
             <a:extLst>
               <a:ext uri="{FF2B5EF4-FFF2-40B4-BE49-F238E27FC236}">
-                <a16:creationId xmlns:a16="http://schemas.microsoft.com/office/drawing/2014/main" id="{130E6BFC-BE3D-4DC5-99C4-4B103D64FA79}"/>
+                <a16:creationId xmlns:a16="http://schemas.microsoft.com/office/drawing/2014/main" xmlns="" id="{130E6BFC-BE3D-4DC5-99C4-4B103D64FA79}"/>
               </a:ext>
             </a:extLst>
           </p:cNvPr>
@@ -35955,6 +36180,19 @@
               <a:buNone/>
               <a:tabLst/>
             </a:pPr>
+            <a:r>
+              <a:rPr kumimoji="0" lang="ja-JP" altLang="ja-JP" sz="1800" b="0" i="0" u="none" strike="noStrike" cap="none" normalizeH="0" baseline="0" dirty="0">
+                <a:ln>
+                  <a:noFill/>
+                </a:ln>
+                <a:solidFill>
+                  <a:schemeClr val="tx1"/>
+                </a:solidFill>
+                <a:effectLst/>
+                <a:latin typeface="Arial" panose="020B0604020202020204" pitchFamily="34" charset="0"/>
+              </a:rPr>
+              <a:t/>
+            </a:r>
             <a:br>
               <a:rPr kumimoji="0" lang="ja-JP" altLang="ja-JP" sz="1800" b="0" i="0" u="none" strike="noStrike" cap="none" normalizeH="0" baseline="0" dirty="0">
                 <a:ln>
@@ -35985,7 +36223,7 @@
           <p:cNvPr id="11" name="正方形/長方形 10">
             <a:extLst>
               <a:ext uri="{FF2B5EF4-FFF2-40B4-BE49-F238E27FC236}">
-                <a16:creationId xmlns:a16="http://schemas.microsoft.com/office/drawing/2014/main" id="{8B8A7059-C8FC-461B-81F4-06EE1B3FBBE4}"/>
+                <a16:creationId xmlns:a16="http://schemas.microsoft.com/office/drawing/2014/main" xmlns="" id="{8B8A7059-C8FC-461B-81F4-06EE1B3FBBE4}"/>
               </a:ext>
             </a:extLst>
           </p:cNvPr>
@@ -36031,7 +36269,7 @@
           <p:cNvPr id="12" name="正方形/長方形 11">
             <a:extLst>
               <a:ext uri="{FF2B5EF4-FFF2-40B4-BE49-F238E27FC236}">
-                <a16:creationId xmlns:a16="http://schemas.microsoft.com/office/drawing/2014/main" id="{54153DFF-03C2-4653-8C06-C8072DE7D091}"/>
+                <a16:creationId xmlns:a16="http://schemas.microsoft.com/office/drawing/2014/main" xmlns="" id="{54153DFF-03C2-4653-8C06-C8072DE7D091}"/>
               </a:ext>
             </a:extLst>
           </p:cNvPr>
@@ -36066,6 +36304,13 @@
                 <a:ea typeface="Meiryo UI" panose="020B0604030504040204" pitchFamily="50" charset="-128"/>
               </a:rPr>
               <a:t>枚の画像から、</a:t>
+            </a:r>
+            <a:r>
+              <a:rPr lang="en-US" altLang="ja-JP" sz="3600" dirty="0">
+                <a:latin typeface="Meiryo UI" panose="020B0604030504040204" pitchFamily="50" charset="-128"/>
+                <a:ea typeface="Meiryo UI" panose="020B0604030504040204" pitchFamily="50" charset="-128"/>
+              </a:rPr>
+              <a:t/>
             </a:r>
             <a:br>
               <a:rPr lang="en-US" altLang="ja-JP" sz="3600" dirty="0">
@@ -36292,7 +36537,7 @@
           <p:cNvPr id="8" name="タイトル 7">
             <a:extLst>
               <a:ext uri="{FF2B5EF4-FFF2-40B4-BE49-F238E27FC236}">
-                <a16:creationId xmlns:a16="http://schemas.microsoft.com/office/drawing/2014/main" id="{1758AE3A-327E-48CE-ABB4-A6340802EF44}"/>
+                <a16:creationId xmlns:a16="http://schemas.microsoft.com/office/drawing/2014/main" xmlns="" id="{1758AE3A-327E-48CE-ABB4-A6340802EF44}"/>
               </a:ext>
             </a:extLst>
           </p:cNvPr>
@@ -36343,7 +36588,7 @@
           <p:cNvPr id="3" name="Rectangle 1">
             <a:extLst>
               <a:ext uri="{FF2B5EF4-FFF2-40B4-BE49-F238E27FC236}">
-                <a16:creationId xmlns:a16="http://schemas.microsoft.com/office/drawing/2014/main" id="{130E6BFC-BE3D-4DC5-99C4-4B103D64FA79}"/>
+                <a16:creationId xmlns:a16="http://schemas.microsoft.com/office/drawing/2014/main" xmlns="" id="{130E6BFC-BE3D-4DC5-99C4-4B103D64FA79}"/>
               </a:ext>
             </a:extLst>
           </p:cNvPr>
@@ -36498,7 +36743,7 @@
           <p:cNvPr id="5122" name="Picture 2" descr="「segmentation deep learning」の画像検索結果">
             <a:extLst>
               <a:ext uri="{FF2B5EF4-FFF2-40B4-BE49-F238E27FC236}">
-                <a16:creationId xmlns:a16="http://schemas.microsoft.com/office/drawing/2014/main" id="{4B75CCBB-619A-4E6D-8D2E-A4880C0344B3}"/>
+                <a16:creationId xmlns:a16="http://schemas.microsoft.com/office/drawing/2014/main" xmlns="" id="{4B75CCBB-619A-4E6D-8D2E-A4880C0344B3}"/>
               </a:ext>
             </a:extLst>
           </p:cNvPr>
@@ -36545,7 +36790,7 @@
           <p:cNvPr id="2" name="正方形/長方形 1">
             <a:extLst>
               <a:ext uri="{FF2B5EF4-FFF2-40B4-BE49-F238E27FC236}">
-                <a16:creationId xmlns:a16="http://schemas.microsoft.com/office/drawing/2014/main" id="{0ABDAFB3-9568-4B1F-916B-629C7037CF53}"/>
+                <a16:creationId xmlns:a16="http://schemas.microsoft.com/office/drawing/2014/main" xmlns="" id="{0ABDAFB3-9568-4B1F-916B-629C7037CF53}"/>
               </a:ext>
             </a:extLst>
           </p:cNvPr>
@@ -36576,7 +36821,7 @@
           <p:cNvPr id="4" name="正方形/長方形 3">
             <a:extLst>
               <a:ext uri="{FF2B5EF4-FFF2-40B4-BE49-F238E27FC236}">
-                <a16:creationId xmlns:a16="http://schemas.microsoft.com/office/drawing/2014/main" id="{97194BFC-A7E7-4D3F-8A9A-3E9FC27D2BE0}"/>
+                <a16:creationId xmlns:a16="http://schemas.microsoft.com/office/drawing/2014/main" xmlns="" id="{97194BFC-A7E7-4D3F-8A9A-3E9FC27D2BE0}"/>
               </a:ext>
             </a:extLst>
           </p:cNvPr>
@@ -36613,7 +36858,7 @@
           <p:cNvPr id="5" name="正方形/長方形 4">
             <a:extLst>
               <a:ext uri="{FF2B5EF4-FFF2-40B4-BE49-F238E27FC236}">
-                <a16:creationId xmlns:a16="http://schemas.microsoft.com/office/drawing/2014/main" id="{63178AC3-3710-48BC-A714-BCEF1D6D0F88}"/>
+                <a16:creationId xmlns:a16="http://schemas.microsoft.com/office/drawing/2014/main" xmlns="" id="{63178AC3-3710-48BC-A714-BCEF1D6D0F88}"/>
               </a:ext>
             </a:extLst>
           </p:cNvPr>
@@ -36788,7 +37033,7 @@
           <p:cNvPr id="8" name="タイトル 7">
             <a:extLst>
               <a:ext uri="{FF2B5EF4-FFF2-40B4-BE49-F238E27FC236}">
-                <a16:creationId xmlns:a16="http://schemas.microsoft.com/office/drawing/2014/main" id="{1758AE3A-327E-48CE-ABB4-A6340802EF44}"/>
+                <a16:creationId xmlns:a16="http://schemas.microsoft.com/office/drawing/2014/main" xmlns="" id="{1758AE3A-327E-48CE-ABB4-A6340802EF44}"/>
               </a:ext>
             </a:extLst>
           </p:cNvPr>
@@ -36839,7 +37084,7 @@
           <p:cNvPr id="3" name="Rectangle 1">
             <a:extLst>
               <a:ext uri="{FF2B5EF4-FFF2-40B4-BE49-F238E27FC236}">
-                <a16:creationId xmlns:a16="http://schemas.microsoft.com/office/drawing/2014/main" id="{130E6BFC-BE3D-4DC5-99C4-4B103D64FA79}"/>
+                <a16:creationId xmlns:a16="http://schemas.microsoft.com/office/drawing/2014/main" xmlns="" id="{130E6BFC-BE3D-4DC5-99C4-4B103D64FA79}"/>
               </a:ext>
             </a:extLst>
           </p:cNvPr>
@@ -37067,7 +37312,7 @@
           <p:cNvPr id="2" name="正方形/長方形 1">
             <a:extLst>
               <a:ext uri="{FF2B5EF4-FFF2-40B4-BE49-F238E27FC236}">
-                <a16:creationId xmlns:a16="http://schemas.microsoft.com/office/drawing/2014/main" id="{0ABDAFB3-9568-4B1F-916B-629C7037CF53}"/>
+                <a16:creationId xmlns:a16="http://schemas.microsoft.com/office/drawing/2014/main" xmlns="" id="{0ABDAFB3-9568-4B1F-916B-629C7037CF53}"/>
               </a:ext>
             </a:extLst>
           </p:cNvPr>
@@ -37098,7 +37343,7 @@
           <p:cNvPr id="9" name="正方形/長方形 8">
             <a:extLst>
               <a:ext uri="{FF2B5EF4-FFF2-40B4-BE49-F238E27FC236}">
-                <a16:creationId xmlns:a16="http://schemas.microsoft.com/office/drawing/2014/main" id="{7E318A89-34D8-4339-B213-94537E5FCE5B}"/>
+                <a16:creationId xmlns:a16="http://schemas.microsoft.com/office/drawing/2014/main" xmlns="" id="{7E318A89-34D8-4339-B213-94537E5FCE5B}"/>
               </a:ext>
             </a:extLst>
           </p:cNvPr>
@@ -37135,7 +37380,7 @@
           <p:cNvPr id="10" name="正方形/長方形 9">
             <a:extLst>
               <a:ext uri="{FF2B5EF4-FFF2-40B4-BE49-F238E27FC236}">
-                <a16:creationId xmlns:a16="http://schemas.microsoft.com/office/drawing/2014/main" id="{60EB523D-BE99-40A8-9220-C938074C17CF}"/>
+                <a16:creationId xmlns:a16="http://schemas.microsoft.com/office/drawing/2014/main" xmlns="" id="{60EB523D-BE99-40A8-9220-C938074C17CF}"/>
               </a:ext>
             </a:extLst>
           </p:cNvPr>
@@ -37478,7 +37723,7 @@
           <p:cNvPr id="8" name="タイトル 7">
             <a:extLst>
               <a:ext uri="{FF2B5EF4-FFF2-40B4-BE49-F238E27FC236}">
-                <a16:creationId xmlns:a16="http://schemas.microsoft.com/office/drawing/2014/main" id="{1758AE3A-327E-48CE-ABB4-A6340802EF44}"/>
+                <a16:creationId xmlns:a16="http://schemas.microsoft.com/office/drawing/2014/main" xmlns="" id="{1758AE3A-327E-48CE-ABB4-A6340802EF44}"/>
               </a:ext>
             </a:extLst>
           </p:cNvPr>
@@ -37516,7 +37761,7 @@
           <p:cNvPr id="3" name="Rectangle 1">
             <a:extLst>
               <a:ext uri="{FF2B5EF4-FFF2-40B4-BE49-F238E27FC236}">
-                <a16:creationId xmlns:a16="http://schemas.microsoft.com/office/drawing/2014/main" id="{130E6BFC-BE3D-4DC5-99C4-4B103D64FA79}"/>
+                <a16:creationId xmlns:a16="http://schemas.microsoft.com/office/drawing/2014/main" xmlns="" id="{130E6BFC-BE3D-4DC5-99C4-4B103D64FA79}"/>
               </a:ext>
             </a:extLst>
           </p:cNvPr>
@@ -37592,6 +37837,19 @@
               <a:buNone/>
               <a:tabLst/>
             </a:pPr>
+            <a:r>
+              <a:rPr kumimoji="0" lang="ja-JP" altLang="ja-JP" sz="1800" b="0" i="0" u="none" strike="noStrike" cap="none" normalizeH="0" baseline="0" dirty="0">
+                <a:ln>
+                  <a:noFill/>
+                </a:ln>
+                <a:solidFill>
+                  <a:schemeClr val="tx1"/>
+                </a:solidFill>
+                <a:effectLst/>
+                <a:latin typeface="Arial" panose="020B0604020202020204" pitchFamily="34" charset="0"/>
+              </a:rPr>
+              <a:t/>
+            </a:r>
             <a:br>
               <a:rPr kumimoji="0" lang="ja-JP" altLang="ja-JP" sz="1800" b="0" i="0" u="none" strike="noStrike" cap="none" normalizeH="0" baseline="0" dirty="0">
                 <a:ln>
@@ -37622,7 +37880,7 @@
           <p:cNvPr id="7" name="正方形/長方形 6">
             <a:extLst>
               <a:ext uri="{FF2B5EF4-FFF2-40B4-BE49-F238E27FC236}">
-                <a16:creationId xmlns:a16="http://schemas.microsoft.com/office/drawing/2014/main" id="{FD95A3BE-83CC-472A-8C09-0E665D1AF818}"/>
+                <a16:creationId xmlns:a16="http://schemas.microsoft.com/office/drawing/2014/main" xmlns="" id="{FD95A3BE-83CC-472A-8C09-0E665D1AF818}"/>
               </a:ext>
             </a:extLst>
           </p:cNvPr>
@@ -37744,7 +38002,7 @@
           <p:cNvPr id="13" name="正方形/長方形 12">
             <a:extLst>
               <a:ext uri="{FF2B5EF4-FFF2-40B4-BE49-F238E27FC236}">
-                <a16:creationId xmlns:a16="http://schemas.microsoft.com/office/drawing/2014/main" id="{A402E137-D0D8-4DE9-9258-D8A6A6613BEA}"/>
+                <a16:creationId xmlns:a16="http://schemas.microsoft.com/office/drawing/2014/main" xmlns="" id="{A402E137-D0D8-4DE9-9258-D8A6A6613BEA}"/>
               </a:ext>
             </a:extLst>
           </p:cNvPr>
@@ -37927,7 +38185,7 @@
           <p:cNvPr id="8" name="タイトル 7">
             <a:extLst>
               <a:ext uri="{FF2B5EF4-FFF2-40B4-BE49-F238E27FC236}">
-                <a16:creationId xmlns:a16="http://schemas.microsoft.com/office/drawing/2014/main" id="{1758AE3A-327E-48CE-ABB4-A6340802EF44}"/>
+                <a16:creationId xmlns:a16="http://schemas.microsoft.com/office/drawing/2014/main" xmlns="" id="{1758AE3A-327E-48CE-ABB4-A6340802EF44}"/>
               </a:ext>
             </a:extLst>
           </p:cNvPr>
@@ -37972,7 +38230,7 @@
           <p:cNvPr id="3" name="Rectangle 1">
             <a:extLst>
               <a:ext uri="{FF2B5EF4-FFF2-40B4-BE49-F238E27FC236}">
-                <a16:creationId xmlns:a16="http://schemas.microsoft.com/office/drawing/2014/main" id="{130E6BFC-BE3D-4DC5-99C4-4B103D64FA79}"/>
+                <a16:creationId xmlns:a16="http://schemas.microsoft.com/office/drawing/2014/main" xmlns="" id="{130E6BFC-BE3D-4DC5-99C4-4B103D64FA79}"/>
               </a:ext>
             </a:extLst>
           </p:cNvPr>
@@ -38048,6 +38306,19 @@
               <a:buNone/>
               <a:tabLst/>
             </a:pPr>
+            <a:r>
+              <a:rPr kumimoji="0" lang="ja-JP" altLang="ja-JP" sz="1800" b="0" i="0" u="none" strike="noStrike" cap="none" normalizeH="0" baseline="0">
+                <a:ln>
+                  <a:noFill/>
+                </a:ln>
+                <a:solidFill>
+                  <a:schemeClr val="tx1"/>
+                </a:solidFill>
+                <a:effectLst/>
+                <a:latin typeface="Arial" panose="020B0604020202020204" pitchFamily="34" charset="0"/>
+              </a:rPr>
+              <a:t/>
+            </a:r>
             <a:br>
               <a:rPr kumimoji="0" lang="ja-JP" altLang="ja-JP" sz="1800" b="0" i="0" u="none" strike="noStrike" cap="none" normalizeH="0" baseline="0">
                 <a:ln>
@@ -38078,7 +38349,7 @@
           <p:cNvPr id="6" name="正方形/長方形 5">
             <a:extLst>
               <a:ext uri="{FF2B5EF4-FFF2-40B4-BE49-F238E27FC236}">
-                <a16:creationId xmlns:a16="http://schemas.microsoft.com/office/drawing/2014/main" id="{FE4C25E0-1435-495C-9094-0D4AE2DDE3C0}"/>
+                <a16:creationId xmlns:a16="http://schemas.microsoft.com/office/drawing/2014/main" xmlns="" id="{FE4C25E0-1435-495C-9094-0D4AE2DDE3C0}"/>
               </a:ext>
             </a:extLst>
           </p:cNvPr>
@@ -38134,7 +38405,7 @@
           <p:cNvPr id="9" name="正方形/長方形 8">
             <a:extLst>
               <a:ext uri="{FF2B5EF4-FFF2-40B4-BE49-F238E27FC236}">
-                <a16:creationId xmlns:a16="http://schemas.microsoft.com/office/drawing/2014/main" id="{1F31C47D-D0A2-4A35-893E-87E8BD8C26CA}"/>
+                <a16:creationId xmlns:a16="http://schemas.microsoft.com/office/drawing/2014/main" xmlns="" id="{1F31C47D-D0A2-4A35-893E-87E8BD8C26CA}"/>
               </a:ext>
             </a:extLst>
           </p:cNvPr>
@@ -38171,7 +38442,7 @@
           <p:cNvPr id="7" name="正方形/長方形 6">
             <a:extLst>
               <a:ext uri="{FF2B5EF4-FFF2-40B4-BE49-F238E27FC236}">
-                <a16:creationId xmlns:a16="http://schemas.microsoft.com/office/drawing/2014/main" id="{8A28EDCF-6C94-4FFC-ADFC-4FEC9B7D0413}"/>
+                <a16:creationId xmlns:a16="http://schemas.microsoft.com/office/drawing/2014/main" xmlns="" id="{8A28EDCF-6C94-4FFC-ADFC-4FEC9B7D0413}"/>
               </a:ext>
             </a:extLst>
           </p:cNvPr>
@@ -38215,7 +38486,7 @@
           <p:cNvPr id="10" name="正方形/長方形 9">
             <a:extLst>
               <a:ext uri="{FF2B5EF4-FFF2-40B4-BE49-F238E27FC236}">
-                <a16:creationId xmlns:a16="http://schemas.microsoft.com/office/drawing/2014/main" id="{66310CED-3775-4C80-A06D-27D2AD7FB462}"/>
+                <a16:creationId xmlns:a16="http://schemas.microsoft.com/office/drawing/2014/main" xmlns="" id="{66310CED-3775-4C80-A06D-27D2AD7FB462}"/>
               </a:ext>
             </a:extLst>
           </p:cNvPr>
@@ -38394,7 +38665,7 @@
           <p:cNvPr id="8" name="タイトル 7">
             <a:extLst>
               <a:ext uri="{FF2B5EF4-FFF2-40B4-BE49-F238E27FC236}">
-                <a16:creationId xmlns:a16="http://schemas.microsoft.com/office/drawing/2014/main" id="{1758AE3A-327E-48CE-ABB4-A6340802EF44}"/>
+                <a16:creationId xmlns:a16="http://schemas.microsoft.com/office/drawing/2014/main" xmlns="" id="{1758AE3A-327E-48CE-ABB4-A6340802EF44}"/>
               </a:ext>
             </a:extLst>
           </p:cNvPr>
@@ -38432,7 +38703,7 @@
           <p:cNvPr id="3" name="Rectangle 1">
             <a:extLst>
               <a:ext uri="{FF2B5EF4-FFF2-40B4-BE49-F238E27FC236}">
-                <a16:creationId xmlns:a16="http://schemas.microsoft.com/office/drawing/2014/main" id="{130E6BFC-BE3D-4DC5-99C4-4B103D64FA79}"/>
+                <a16:creationId xmlns:a16="http://schemas.microsoft.com/office/drawing/2014/main" xmlns="" id="{130E6BFC-BE3D-4DC5-99C4-4B103D64FA79}"/>
               </a:ext>
             </a:extLst>
           </p:cNvPr>
@@ -38508,6 +38779,19 @@
               <a:buNone/>
               <a:tabLst/>
             </a:pPr>
+            <a:r>
+              <a:rPr kumimoji="0" lang="ja-JP" altLang="ja-JP" sz="1800" b="0" i="0" u="none" strike="noStrike" cap="none" normalizeH="0" baseline="0">
+                <a:ln>
+                  <a:noFill/>
+                </a:ln>
+                <a:solidFill>
+                  <a:schemeClr val="tx1"/>
+                </a:solidFill>
+                <a:effectLst/>
+                <a:latin typeface="Arial" panose="020B0604020202020204" pitchFamily="34" charset="0"/>
+              </a:rPr>
+              <a:t/>
+            </a:r>
             <a:br>
               <a:rPr kumimoji="0" lang="ja-JP" altLang="ja-JP" sz="1800" b="0" i="0" u="none" strike="noStrike" cap="none" normalizeH="0" baseline="0">
                 <a:ln>
@@ -38538,7 +38822,7 @@
           <p:cNvPr id="5" name="正方形/長方形 4">
             <a:extLst>
               <a:ext uri="{FF2B5EF4-FFF2-40B4-BE49-F238E27FC236}">
-                <a16:creationId xmlns:a16="http://schemas.microsoft.com/office/drawing/2014/main" id="{9BD7E382-16B6-4179-B7BC-EA81FA45C7B5}"/>
+                <a16:creationId xmlns:a16="http://schemas.microsoft.com/office/drawing/2014/main" xmlns="" id="{9BD7E382-16B6-4179-B7BC-EA81FA45C7B5}"/>
               </a:ext>
             </a:extLst>
           </p:cNvPr>
@@ -38597,7 +38881,7 @@
           <p:cNvPr id="9" name="正方形/長方形 8">
             <a:extLst>
               <a:ext uri="{FF2B5EF4-FFF2-40B4-BE49-F238E27FC236}">
-                <a16:creationId xmlns:a16="http://schemas.microsoft.com/office/drawing/2014/main" id="{D40F294D-5009-4D1E-8868-AC59BFB69AE3}"/>
+                <a16:creationId xmlns:a16="http://schemas.microsoft.com/office/drawing/2014/main" xmlns="" id="{D40F294D-5009-4D1E-8868-AC59BFB69AE3}"/>
               </a:ext>
             </a:extLst>
           </p:cNvPr>
